--- a/data_AC/AC slides.pptx
+++ b/data_AC/AC slides.pptx
@@ -4,12 +4,18 @@
   <p:sldMasterIdLst>
     <p:sldMasterId id="2147483648" r:id="rId1"/>
   </p:sldMasterIdLst>
+  <p:notesMasterIdLst>
+    <p:notesMasterId r:id="rId10"/>
+  </p:notesMasterIdLst>
   <p:sldIdLst>
-    <p:sldId id="257" r:id="rId2"/>
-    <p:sldId id="259" r:id="rId3"/>
-    <p:sldId id="261" r:id="rId4"/>
-    <p:sldId id="262" r:id="rId5"/>
-    <p:sldId id="263" r:id="rId6"/>
+    <p:sldId id="266" r:id="rId2"/>
+    <p:sldId id="257" r:id="rId3"/>
+    <p:sldId id="264" r:id="rId4"/>
+    <p:sldId id="265" r:id="rId5"/>
+    <p:sldId id="259" r:id="rId6"/>
+    <p:sldId id="261" r:id="rId7"/>
+    <p:sldId id="262" r:id="rId8"/>
+    <p:sldId id="263" r:id="rId9"/>
   </p:sldIdLst>
   <p:sldSz cx="12192000" cy="6858000"/>
   <p:notesSz cx="6858000" cy="9144000"/>
@@ -116,6 +122,484 @@
 </p:presentation>
 </file>
 
+<file path=ppt/notesMasters/notesMaster1.xml><?xml version="1.0" encoding="utf-8"?>
+<p:notesMaster xmlns:a="http://schemas.openxmlformats.org/drawingml/2006/main" xmlns:r="http://schemas.openxmlformats.org/officeDocument/2006/relationships" xmlns:p="http://schemas.openxmlformats.org/presentationml/2006/main">
+  <p:cSld>
+    <p:bg>
+      <p:bgRef idx="1001">
+        <a:schemeClr val="bg1"/>
+      </p:bgRef>
+    </p:bg>
+    <p:spTree>
+      <p:nvGrpSpPr>
+        <p:cNvPr id="1" name=""/>
+        <p:cNvGrpSpPr/>
+        <p:nvPr/>
+      </p:nvGrpSpPr>
+      <p:grpSpPr>
+        <a:xfrm>
+          <a:off x="0" y="0"/>
+          <a:ext cx="0" cy="0"/>
+          <a:chOff x="0" y="0"/>
+          <a:chExt cx="0" cy="0"/>
+        </a:xfrm>
+      </p:grpSpPr>
+      <p:sp>
+        <p:nvSpPr>
+          <p:cNvPr id="2" name="Header Placeholder 1"/>
+          <p:cNvSpPr>
+            <a:spLocks noGrp="1"/>
+          </p:cNvSpPr>
+          <p:nvPr>
+            <p:ph type="hdr" sz="quarter"/>
+          </p:nvPr>
+        </p:nvSpPr>
+        <p:spPr>
+          <a:xfrm>
+            <a:off x="0" y="0"/>
+            <a:ext cx="2971800" cy="458788"/>
+          </a:xfrm>
+          <a:prstGeom prst="rect">
+            <a:avLst/>
+          </a:prstGeom>
+        </p:spPr>
+        <p:txBody>
+          <a:bodyPr vert="horz" lIns="91440" tIns="45720" rIns="91440" bIns="45720" rtlCol="0"/>
+          <a:lstStyle>
+            <a:lvl1pPr algn="l">
+              <a:defRPr sz="1200"/>
+            </a:lvl1pPr>
+          </a:lstStyle>
+          <a:p>
+            <a:endParaRPr lang="en-US"/>
+          </a:p>
+        </p:txBody>
+      </p:sp>
+      <p:sp>
+        <p:nvSpPr>
+          <p:cNvPr id="3" name="Date Placeholder 2"/>
+          <p:cNvSpPr>
+            <a:spLocks noGrp="1"/>
+          </p:cNvSpPr>
+          <p:nvPr>
+            <p:ph type="dt" idx="1"/>
+          </p:nvPr>
+        </p:nvSpPr>
+        <p:spPr>
+          <a:xfrm>
+            <a:off x="3884613" y="0"/>
+            <a:ext cx="2971800" cy="458788"/>
+          </a:xfrm>
+          <a:prstGeom prst="rect">
+            <a:avLst/>
+          </a:prstGeom>
+        </p:spPr>
+        <p:txBody>
+          <a:bodyPr vert="horz" lIns="91440" tIns="45720" rIns="91440" bIns="45720" rtlCol="0"/>
+          <a:lstStyle>
+            <a:lvl1pPr algn="r">
+              <a:defRPr sz="1200"/>
+            </a:lvl1pPr>
+          </a:lstStyle>
+          <a:p>
+            <a:fld id="{55AE7E9E-BECA-41D8-B1D3-29651C953DFB}" type="datetimeFigureOut">
+              <a:rPr lang="en-US" smtClean="0"/>
+              <a:t>7/11/2019</a:t>
+            </a:fld>
+            <a:endParaRPr lang="en-US"/>
+          </a:p>
+        </p:txBody>
+      </p:sp>
+      <p:sp>
+        <p:nvSpPr>
+          <p:cNvPr id="4" name="Slide Image Placeholder 3"/>
+          <p:cNvSpPr>
+            <a:spLocks noGrp="1" noRot="1" noChangeAspect="1"/>
+          </p:cNvSpPr>
+          <p:nvPr>
+            <p:ph type="sldImg" idx="2"/>
+          </p:nvPr>
+        </p:nvSpPr>
+        <p:spPr>
+          <a:xfrm>
+            <a:off x="685800" y="1143000"/>
+            <a:ext cx="5486400" cy="3086100"/>
+          </a:xfrm>
+          <a:prstGeom prst="rect">
+            <a:avLst/>
+          </a:prstGeom>
+          <a:noFill/>
+          <a:ln w="12700">
+            <a:solidFill>
+              <a:prstClr val="black"/>
+            </a:solidFill>
+          </a:ln>
+        </p:spPr>
+        <p:txBody>
+          <a:bodyPr vert="horz" lIns="91440" tIns="45720" rIns="91440" bIns="45720" rtlCol="0" anchor="ctr"/>
+          <a:lstStyle/>
+          <a:p>
+            <a:endParaRPr lang="en-US"/>
+          </a:p>
+        </p:txBody>
+      </p:sp>
+      <p:sp>
+        <p:nvSpPr>
+          <p:cNvPr id="5" name="Notes Placeholder 4"/>
+          <p:cNvSpPr>
+            <a:spLocks noGrp="1"/>
+          </p:cNvSpPr>
+          <p:nvPr>
+            <p:ph type="body" sz="quarter" idx="3"/>
+          </p:nvPr>
+        </p:nvSpPr>
+        <p:spPr>
+          <a:xfrm>
+            <a:off x="685800" y="4400550"/>
+            <a:ext cx="5486400" cy="3600450"/>
+          </a:xfrm>
+          <a:prstGeom prst="rect">
+            <a:avLst/>
+          </a:prstGeom>
+        </p:spPr>
+        <p:txBody>
+          <a:bodyPr vert="horz" lIns="91440" tIns="45720" rIns="91440" bIns="45720" rtlCol="0"/>
+          <a:lstStyle/>
+          <a:p>
+            <a:pPr lvl="0"/>
+            <a:r>
+              <a:rPr lang="en-US"/>
+              <a:t>Click to edit Master text styles</a:t>
+            </a:r>
+          </a:p>
+          <a:p>
+            <a:pPr lvl="1"/>
+            <a:r>
+              <a:rPr lang="en-US"/>
+              <a:t>Second level</a:t>
+            </a:r>
+          </a:p>
+          <a:p>
+            <a:pPr lvl="2"/>
+            <a:r>
+              <a:rPr lang="en-US"/>
+              <a:t>Third level</a:t>
+            </a:r>
+          </a:p>
+          <a:p>
+            <a:pPr lvl="3"/>
+            <a:r>
+              <a:rPr lang="en-US"/>
+              <a:t>Fourth level</a:t>
+            </a:r>
+          </a:p>
+          <a:p>
+            <a:pPr lvl="4"/>
+            <a:r>
+              <a:rPr lang="en-US"/>
+              <a:t>Fifth level</a:t>
+            </a:r>
+          </a:p>
+        </p:txBody>
+      </p:sp>
+      <p:sp>
+        <p:nvSpPr>
+          <p:cNvPr id="6" name="Footer Placeholder 5"/>
+          <p:cNvSpPr>
+            <a:spLocks noGrp="1"/>
+          </p:cNvSpPr>
+          <p:nvPr>
+            <p:ph type="ftr" sz="quarter" idx="4"/>
+          </p:nvPr>
+        </p:nvSpPr>
+        <p:spPr>
+          <a:xfrm>
+            <a:off x="0" y="8685213"/>
+            <a:ext cx="2971800" cy="458787"/>
+          </a:xfrm>
+          <a:prstGeom prst="rect">
+            <a:avLst/>
+          </a:prstGeom>
+        </p:spPr>
+        <p:txBody>
+          <a:bodyPr vert="horz" lIns="91440" tIns="45720" rIns="91440" bIns="45720" rtlCol="0" anchor="b"/>
+          <a:lstStyle>
+            <a:lvl1pPr algn="l">
+              <a:defRPr sz="1200"/>
+            </a:lvl1pPr>
+          </a:lstStyle>
+          <a:p>
+            <a:endParaRPr lang="en-US"/>
+          </a:p>
+        </p:txBody>
+      </p:sp>
+      <p:sp>
+        <p:nvSpPr>
+          <p:cNvPr id="7" name="Slide Number Placeholder 6"/>
+          <p:cNvSpPr>
+            <a:spLocks noGrp="1"/>
+          </p:cNvSpPr>
+          <p:nvPr>
+            <p:ph type="sldNum" sz="quarter" idx="5"/>
+          </p:nvPr>
+        </p:nvSpPr>
+        <p:spPr>
+          <a:xfrm>
+            <a:off x="3884613" y="8685213"/>
+            <a:ext cx="2971800" cy="458787"/>
+          </a:xfrm>
+          <a:prstGeom prst="rect">
+            <a:avLst/>
+          </a:prstGeom>
+        </p:spPr>
+        <p:txBody>
+          <a:bodyPr vert="horz" lIns="91440" tIns="45720" rIns="91440" bIns="45720" rtlCol="0" anchor="b"/>
+          <a:lstStyle>
+            <a:lvl1pPr algn="r">
+              <a:defRPr sz="1200"/>
+            </a:lvl1pPr>
+          </a:lstStyle>
+          <a:p>
+            <a:fld id="{90B5018F-806B-4062-9E13-7DA005540A2D}" type="slidenum">
+              <a:rPr lang="en-US" smtClean="0"/>
+              <a:t>‹#›</a:t>
+            </a:fld>
+            <a:endParaRPr lang="en-US"/>
+          </a:p>
+        </p:txBody>
+      </p:sp>
+    </p:spTree>
+    <p:extLst>
+      <p:ext uri="{BB962C8B-B14F-4D97-AF65-F5344CB8AC3E}">
+        <p14:creationId xmlns:p14="http://schemas.microsoft.com/office/powerpoint/2010/main" val="1638257167"/>
+      </p:ext>
+    </p:extLst>
+  </p:cSld>
+  <p:clrMap bg1="lt1" tx1="dk1" bg2="lt2" tx2="dk2" accent1="accent1" accent2="accent2" accent3="accent3" accent4="accent4" accent5="accent5" accent6="accent6" hlink="hlink" folHlink="folHlink"/>
+  <p:notesStyle>
+    <a:lvl1pPr marL="0" algn="l" defTabSz="914400" rtl="0" eaLnBrk="1" latinLnBrk="0" hangingPunct="1">
+      <a:defRPr sz="1200" kern="1200">
+        <a:solidFill>
+          <a:schemeClr val="tx1"/>
+        </a:solidFill>
+        <a:latin typeface="+mn-lt"/>
+        <a:ea typeface="+mn-ea"/>
+        <a:cs typeface="+mn-cs"/>
+      </a:defRPr>
+    </a:lvl1pPr>
+    <a:lvl2pPr marL="457200" algn="l" defTabSz="914400" rtl="0" eaLnBrk="1" latinLnBrk="0" hangingPunct="1">
+      <a:defRPr sz="1200" kern="1200">
+        <a:solidFill>
+          <a:schemeClr val="tx1"/>
+        </a:solidFill>
+        <a:latin typeface="+mn-lt"/>
+        <a:ea typeface="+mn-ea"/>
+        <a:cs typeface="+mn-cs"/>
+      </a:defRPr>
+    </a:lvl2pPr>
+    <a:lvl3pPr marL="914400" algn="l" defTabSz="914400" rtl="0" eaLnBrk="1" latinLnBrk="0" hangingPunct="1">
+      <a:defRPr sz="1200" kern="1200">
+        <a:solidFill>
+          <a:schemeClr val="tx1"/>
+        </a:solidFill>
+        <a:latin typeface="+mn-lt"/>
+        <a:ea typeface="+mn-ea"/>
+        <a:cs typeface="+mn-cs"/>
+      </a:defRPr>
+    </a:lvl3pPr>
+    <a:lvl4pPr marL="1371600" algn="l" defTabSz="914400" rtl="0" eaLnBrk="1" latinLnBrk="0" hangingPunct="1">
+      <a:defRPr sz="1200" kern="1200">
+        <a:solidFill>
+          <a:schemeClr val="tx1"/>
+        </a:solidFill>
+        <a:latin typeface="+mn-lt"/>
+        <a:ea typeface="+mn-ea"/>
+        <a:cs typeface="+mn-cs"/>
+      </a:defRPr>
+    </a:lvl4pPr>
+    <a:lvl5pPr marL="1828800" algn="l" defTabSz="914400" rtl="0" eaLnBrk="1" latinLnBrk="0" hangingPunct="1">
+      <a:defRPr sz="1200" kern="1200">
+        <a:solidFill>
+          <a:schemeClr val="tx1"/>
+        </a:solidFill>
+        <a:latin typeface="+mn-lt"/>
+        <a:ea typeface="+mn-ea"/>
+        <a:cs typeface="+mn-cs"/>
+      </a:defRPr>
+    </a:lvl5pPr>
+    <a:lvl6pPr marL="2286000" algn="l" defTabSz="914400" rtl="0" eaLnBrk="1" latinLnBrk="0" hangingPunct="1">
+      <a:defRPr sz="1200" kern="1200">
+        <a:solidFill>
+          <a:schemeClr val="tx1"/>
+        </a:solidFill>
+        <a:latin typeface="+mn-lt"/>
+        <a:ea typeface="+mn-ea"/>
+        <a:cs typeface="+mn-cs"/>
+      </a:defRPr>
+    </a:lvl6pPr>
+    <a:lvl7pPr marL="2743200" algn="l" defTabSz="914400" rtl="0" eaLnBrk="1" latinLnBrk="0" hangingPunct="1">
+      <a:defRPr sz="1200" kern="1200">
+        <a:solidFill>
+          <a:schemeClr val="tx1"/>
+        </a:solidFill>
+        <a:latin typeface="+mn-lt"/>
+        <a:ea typeface="+mn-ea"/>
+        <a:cs typeface="+mn-cs"/>
+      </a:defRPr>
+    </a:lvl7pPr>
+    <a:lvl8pPr marL="3200400" algn="l" defTabSz="914400" rtl="0" eaLnBrk="1" latinLnBrk="0" hangingPunct="1">
+      <a:defRPr sz="1200" kern="1200">
+        <a:solidFill>
+          <a:schemeClr val="tx1"/>
+        </a:solidFill>
+        <a:latin typeface="+mn-lt"/>
+        <a:ea typeface="+mn-ea"/>
+        <a:cs typeface="+mn-cs"/>
+      </a:defRPr>
+    </a:lvl8pPr>
+    <a:lvl9pPr marL="3657600" algn="l" defTabSz="914400" rtl="0" eaLnBrk="1" latinLnBrk="0" hangingPunct="1">
+      <a:defRPr sz="1200" kern="1200">
+        <a:solidFill>
+          <a:schemeClr val="tx1"/>
+        </a:solidFill>
+        <a:latin typeface="+mn-lt"/>
+        <a:ea typeface="+mn-ea"/>
+        <a:cs typeface="+mn-cs"/>
+      </a:defRPr>
+    </a:lvl9pPr>
+  </p:notesStyle>
+</p:notesMaster>
+</file>
+
+<file path=ppt/notesSlides/notesSlide1.xml><?xml version="1.0" encoding="utf-8"?>
+<p:notes xmlns:a="http://schemas.openxmlformats.org/drawingml/2006/main" xmlns:r="http://schemas.openxmlformats.org/officeDocument/2006/relationships" xmlns:p="http://schemas.openxmlformats.org/presentationml/2006/main">
+  <p:cSld>
+    <p:spTree>
+      <p:nvGrpSpPr>
+        <p:cNvPr id="1" name=""/>
+        <p:cNvGrpSpPr/>
+        <p:nvPr/>
+      </p:nvGrpSpPr>
+      <p:grpSpPr>
+        <a:xfrm>
+          <a:off x="0" y="0"/>
+          <a:ext cx="0" cy="0"/>
+          <a:chOff x="0" y="0"/>
+          <a:chExt cx="0" cy="0"/>
+        </a:xfrm>
+      </p:grpSpPr>
+      <p:sp>
+        <p:nvSpPr>
+          <p:cNvPr id="2" name="Slide Image Placeholder 1"/>
+          <p:cNvSpPr>
+            <a:spLocks noGrp="1" noRot="1" noChangeAspect="1"/>
+          </p:cNvSpPr>
+          <p:nvPr>
+            <p:ph type="sldImg"/>
+          </p:nvPr>
+        </p:nvSpPr>
+        <p:spPr/>
+      </p:sp>
+      <p:sp>
+        <p:nvSpPr>
+          <p:cNvPr id="3" name="Notes Placeholder 2"/>
+          <p:cNvSpPr>
+            <a:spLocks noGrp="1"/>
+          </p:cNvSpPr>
+          <p:nvPr>
+            <p:ph type="body" idx="1"/>
+          </p:nvPr>
+        </p:nvSpPr>
+        <p:spPr/>
+        <p:txBody>
+          <a:bodyPr/>
+          <a:lstStyle/>
+          <a:p>
+            <a:pPr marL="342900" indent="-342900">
+              <a:buAutoNum type="arabicPeriod"/>
+            </a:pPr>
+            <a:r>
+              <a:rPr lang="en-US" sz="1200" dirty="0"/>
+              <a:t>Select for NC counties</a:t>
+            </a:r>
+          </a:p>
+          <a:p>
+            <a:pPr marL="342900" indent="-342900">
+              <a:buAutoNum type="arabicPeriod"/>
+            </a:pPr>
+            <a:r>
+              <a:rPr lang="en-US" sz="1200" dirty="0"/>
+              <a:t>Eliminate metadata columns</a:t>
+            </a:r>
+          </a:p>
+          <a:p>
+            <a:pPr marL="342900" indent="-342900">
+              <a:buAutoNum type="arabicPeriod"/>
+            </a:pPr>
+            <a:r>
+              <a:rPr lang="en-US" sz="1200" dirty="0"/>
+              <a:t>Merge 3 data sets into one on county name</a:t>
+            </a:r>
+          </a:p>
+          <a:p>
+            <a:pPr marL="342900" indent="-342900">
+              <a:buAutoNum type="arabicPeriod"/>
+            </a:pPr>
+            <a:r>
+              <a:rPr lang="en-US" sz="1200" dirty="0"/>
+              <a:t>Add data type to each county column header</a:t>
+            </a:r>
+          </a:p>
+          <a:p>
+            <a:pPr marL="342900" indent="-342900">
+              <a:buAutoNum type="arabicPeriod"/>
+            </a:pPr>
+            <a:r>
+              <a:rPr lang="en-US" sz="1200" dirty="0"/>
+              <a:t>Transpose rows and columns</a:t>
+            </a:r>
+          </a:p>
+          <a:p>
+            <a:endParaRPr lang="en-US" dirty="0"/>
+          </a:p>
+        </p:txBody>
+      </p:sp>
+      <p:sp>
+        <p:nvSpPr>
+          <p:cNvPr id="4" name="Slide Number Placeholder 3"/>
+          <p:cNvSpPr>
+            <a:spLocks noGrp="1"/>
+          </p:cNvSpPr>
+          <p:nvPr>
+            <p:ph type="sldNum" sz="quarter" idx="5"/>
+          </p:nvPr>
+        </p:nvSpPr>
+        <p:spPr/>
+        <p:txBody>
+          <a:bodyPr/>
+          <a:lstStyle/>
+          <a:p>
+            <a:fld id="{90B5018F-806B-4062-9E13-7DA005540A2D}" type="slidenum">
+              <a:rPr lang="en-US" smtClean="0"/>
+              <a:t>1</a:t>
+            </a:fld>
+            <a:endParaRPr lang="en-US"/>
+          </a:p>
+        </p:txBody>
+      </p:sp>
+    </p:spTree>
+    <p:extLst>
+      <p:ext uri="{BB962C8B-B14F-4D97-AF65-F5344CB8AC3E}">
+        <p14:creationId xmlns:p14="http://schemas.microsoft.com/office/powerpoint/2010/main" val="495895060"/>
+      </p:ext>
+    </p:extLst>
+  </p:cSld>
+  <p:clrMapOvr>
+    <a:masterClrMapping/>
+  </p:clrMapOvr>
+</p:notes>
+</file>
+
 <file path=ppt/slideLayouts/slideLayout1.xml><?xml version="1.0" encoding="utf-8"?>
 <p:sldLayout xmlns:a="http://schemas.openxmlformats.org/drawingml/2006/main" xmlns:r="http://schemas.openxmlformats.org/officeDocument/2006/relationships" xmlns:p="http://schemas.openxmlformats.org/presentationml/2006/main" type="title" preserve="1">
   <p:cSld name="Title Slide">
@@ -263,7 +747,7 @@
           <a:p>
             <a:fld id="{556A2070-AE24-461F-A738-B19129CD5525}" type="datetimeFigureOut">
               <a:rPr lang="en-US" smtClean="0"/>
-              <a:t>7/8/2019</a:t>
+              <a:t>7/11/2019</a:t>
             </a:fld>
             <a:endParaRPr lang="en-US"/>
           </a:p>
@@ -461,7 +945,7 @@
           <a:p>
             <a:fld id="{556A2070-AE24-461F-A738-B19129CD5525}" type="datetimeFigureOut">
               <a:rPr lang="en-US" smtClean="0"/>
-              <a:t>7/8/2019</a:t>
+              <a:t>7/11/2019</a:t>
             </a:fld>
             <a:endParaRPr lang="en-US"/>
           </a:p>
@@ -669,7 +1153,7 @@
           <a:p>
             <a:fld id="{556A2070-AE24-461F-A738-B19129CD5525}" type="datetimeFigureOut">
               <a:rPr lang="en-US" smtClean="0"/>
-              <a:t>7/8/2019</a:t>
+              <a:t>7/11/2019</a:t>
             </a:fld>
             <a:endParaRPr lang="en-US"/>
           </a:p>
@@ -867,7 +1351,7 @@
           <a:p>
             <a:fld id="{556A2070-AE24-461F-A738-B19129CD5525}" type="datetimeFigureOut">
               <a:rPr lang="en-US" smtClean="0"/>
-              <a:t>7/8/2019</a:t>
+              <a:t>7/11/2019</a:t>
             </a:fld>
             <a:endParaRPr lang="en-US"/>
           </a:p>
@@ -1142,7 +1626,7 @@
           <a:p>
             <a:fld id="{556A2070-AE24-461F-A738-B19129CD5525}" type="datetimeFigureOut">
               <a:rPr lang="en-US" smtClean="0"/>
-              <a:t>7/8/2019</a:t>
+              <a:t>7/11/2019</a:t>
             </a:fld>
             <a:endParaRPr lang="en-US"/>
           </a:p>
@@ -1407,7 +1891,7 @@
           <a:p>
             <a:fld id="{556A2070-AE24-461F-A738-B19129CD5525}" type="datetimeFigureOut">
               <a:rPr lang="en-US" smtClean="0"/>
-              <a:t>7/8/2019</a:t>
+              <a:t>7/11/2019</a:t>
             </a:fld>
             <a:endParaRPr lang="en-US"/>
           </a:p>
@@ -1819,7 +2303,7 @@
           <a:p>
             <a:fld id="{556A2070-AE24-461F-A738-B19129CD5525}" type="datetimeFigureOut">
               <a:rPr lang="en-US" smtClean="0"/>
-              <a:t>7/8/2019</a:t>
+              <a:t>7/11/2019</a:t>
             </a:fld>
             <a:endParaRPr lang="en-US"/>
           </a:p>
@@ -1960,7 +2444,7 @@
           <a:p>
             <a:fld id="{556A2070-AE24-461F-A738-B19129CD5525}" type="datetimeFigureOut">
               <a:rPr lang="en-US" smtClean="0"/>
-              <a:t>7/8/2019</a:t>
+              <a:t>7/11/2019</a:t>
             </a:fld>
             <a:endParaRPr lang="en-US"/>
           </a:p>
@@ -2073,7 +2557,7 @@
           <a:p>
             <a:fld id="{556A2070-AE24-461F-A738-B19129CD5525}" type="datetimeFigureOut">
               <a:rPr lang="en-US" smtClean="0"/>
-              <a:t>7/8/2019</a:t>
+              <a:t>7/11/2019</a:t>
             </a:fld>
             <a:endParaRPr lang="en-US"/>
           </a:p>
@@ -2384,7 +2868,7 @@
           <a:p>
             <a:fld id="{556A2070-AE24-461F-A738-B19129CD5525}" type="datetimeFigureOut">
               <a:rPr lang="en-US" smtClean="0"/>
-              <a:t>7/8/2019</a:t>
+              <a:t>7/11/2019</a:t>
             </a:fld>
             <a:endParaRPr lang="en-US"/>
           </a:p>
@@ -2672,7 +3156,7 @@
           <a:p>
             <a:fld id="{556A2070-AE24-461F-A738-B19129CD5525}" type="datetimeFigureOut">
               <a:rPr lang="en-US" smtClean="0"/>
-              <a:t>7/8/2019</a:t>
+              <a:t>7/11/2019</a:t>
             </a:fld>
             <a:endParaRPr lang="en-US"/>
           </a:p>
@@ -2913,7 +3397,7 @@
           <a:p>
             <a:fld id="{556A2070-AE24-461F-A738-B19129CD5525}" type="datetimeFigureOut">
               <a:rPr lang="en-US" smtClean="0"/>
-              <a:t>7/8/2019</a:t>
+              <a:t>7/11/2019</a:t>
             </a:fld>
             <a:endParaRPr lang="en-US"/>
           </a:p>
@@ -3332,10 +3816,10 @@
       </p:grpSpPr>
       <p:pic>
         <p:nvPicPr>
-          <p:cNvPr id="1028" name="Picture 4">
-            <a:extLst>
-              <a:ext uri="{FF2B5EF4-FFF2-40B4-BE49-F238E27FC236}">
-                <a16:creationId xmlns:a16="http://schemas.microsoft.com/office/drawing/2014/main" id="{27373B6B-9D4C-41FF-B664-07A100EA0CE2}"/>
+          <p:cNvPr id="4098" name="Picture 2" descr="Image result for zillow">
+            <a:extLst>
+              <a:ext uri="{FF2B5EF4-FFF2-40B4-BE49-F238E27FC236}">
+                <a16:creationId xmlns:a16="http://schemas.microsoft.com/office/drawing/2014/main" id="{C803ECEF-67BC-4FB0-8072-A1B979A6B64A}"/>
               </a:ext>
             </a:extLst>
           </p:cNvPr>
@@ -3345,7 +3829,7 @@
           <p:nvPr/>
         </p:nvPicPr>
         <p:blipFill>
-          <a:blip r:embed="rId2">
+          <a:blip r:embed="rId3">
             <a:extLst>
               <a:ext uri="{28A0092B-C50C-407E-A947-70E740481C1C}">
                 <a14:useLocalDpi xmlns:a14="http://schemas.microsoft.com/office/drawing/2010/main" val="0"/>
@@ -3359,8 +3843,3311 @@
         </p:blipFill>
         <p:spPr bwMode="auto">
           <a:xfrm>
-            <a:off x="568325" y="0"/>
-            <a:ext cx="11053763" cy="6858000"/>
+            <a:off x="96250" y="6388194"/>
+            <a:ext cx="1769703" cy="367637"/>
+          </a:xfrm>
+          <a:prstGeom prst="rect">
+            <a:avLst/>
+          </a:prstGeom>
+          <a:noFill/>
+          <a:extLst>
+            <a:ext uri="{909E8E84-426E-40DD-AFC4-6F175D3DCCD1}">
+              <a14:hiddenFill xmlns:a14="http://schemas.microsoft.com/office/drawing/2010/main">
+                <a:solidFill>
+                  <a:srgbClr val="FFFFFF"/>
+                </a:solidFill>
+              </a14:hiddenFill>
+            </a:ext>
+          </a:extLst>
+        </p:spPr>
+      </p:pic>
+      <p:sp>
+        <p:nvSpPr>
+          <p:cNvPr id="4" name="Rectangle 3">
+            <a:extLst>
+              <a:ext uri="{FF2B5EF4-FFF2-40B4-BE49-F238E27FC236}">
+                <a16:creationId xmlns:a16="http://schemas.microsoft.com/office/drawing/2014/main" id="{2C1B72FE-4495-41A6-97D7-E766248E0B4F}"/>
+              </a:ext>
+            </a:extLst>
+          </p:cNvPr>
+          <p:cNvSpPr/>
+          <p:nvPr/>
+        </p:nvSpPr>
+        <p:spPr>
+          <a:xfrm>
+            <a:off x="1905580" y="6410640"/>
+            <a:ext cx="3918893" cy="369332"/>
+          </a:xfrm>
+          <a:prstGeom prst="rect">
+            <a:avLst/>
+          </a:prstGeom>
+        </p:spPr>
+        <p:txBody>
+          <a:bodyPr wrap="none">
+            <a:spAutoFit/>
+          </a:bodyPr>
+          <a:lstStyle/>
+          <a:p>
+            <a:r>
+              <a:rPr lang="en-US" dirty="0">
+                <a:hlinkClick r:id="rId4"/>
+              </a:rPr>
+              <a:t>https://www.zillow.com/research/data/</a:t>
+            </a:r>
+            <a:endParaRPr lang="en-US" dirty="0"/>
+          </a:p>
+        </p:txBody>
+      </p:sp>
+      <p:graphicFrame>
+        <p:nvGraphicFramePr>
+          <p:cNvPr id="5" name="Table 4">
+            <a:extLst>
+              <a:ext uri="{FF2B5EF4-FFF2-40B4-BE49-F238E27FC236}">
+                <a16:creationId xmlns:a16="http://schemas.microsoft.com/office/drawing/2014/main" id="{C31A791F-8BB5-4224-BA60-D55427015064}"/>
+              </a:ext>
+            </a:extLst>
+          </p:cNvPr>
+          <p:cNvGraphicFramePr>
+            <a:graphicFrameLocks noGrp="1"/>
+          </p:cNvGraphicFramePr>
+          <p:nvPr>
+            <p:extLst>
+              <p:ext uri="{D42A27DB-BD31-4B8C-83A1-F6EECF244321}">
+                <p14:modId xmlns:p14="http://schemas.microsoft.com/office/powerpoint/2010/main" val="109525209"/>
+              </p:ext>
+            </p:extLst>
+          </p:nvPr>
+        </p:nvGraphicFramePr>
+        <p:xfrm>
+          <a:off x="408623" y="952543"/>
+          <a:ext cx="5107032" cy="3060700"/>
+        </p:xfrm>
+        <a:graphic>
+          <a:graphicData uri="http://schemas.openxmlformats.org/drawingml/2006/table">
+            <a:tbl>
+              <a:tblPr firstRow="1" bandRow="1">
+                <a:tableStyleId>{5940675A-B579-460E-94D1-54222C63F5DA}</a:tableStyleId>
+              </a:tblPr>
+              <a:tblGrid>
+                <a:gridCol w="851172">
+                  <a:extLst>
+                    <a:ext uri="{9D8B030D-6E8A-4147-A177-3AD203B41FA5}">
+                      <a16:colId xmlns:a16="http://schemas.microsoft.com/office/drawing/2014/main" val="9685845"/>
+                    </a:ext>
+                  </a:extLst>
+                </a:gridCol>
+                <a:gridCol w="851172">
+                  <a:extLst>
+                    <a:ext uri="{9D8B030D-6E8A-4147-A177-3AD203B41FA5}">
+                      <a16:colId xmlns:a16="http://schemas.microsoft.com/office/drawing/2014/main" val="1123352740"/>
+                    </a:ext>
+                  </a:extLst>
+                </a:gridCol>
+                <a:gridCol w="851172">
+                  <a:extLst>
+                    <a:ext uri="{9D8B030D-6E8A-4147-A177-3AD203B41FA5}">
+                      <a16:colId xmlns:a16="http://schemas.microsoft.com/office/drawing/2014/main" val="2347105825"/>
+                    </a:ext>
+                  </a:extLst>
+                </a:gridCol>
+                <a:gridCol w="851172">
+                  <a:extLst>
+                    <a:ext uri="{9D8B030D-6E8A-4147-A177-3AD203B41FA5}">
+                      <a16:colId xmlns:a16="http://schemas.microsoft.com/office/drawing/2014/main" val="1519326824"/>
+                    </a:ext>
+                  </a:extLst>
+                </a:gridCol>
+                <a:gridCol w="851172">
+                  <a:extLst>
+                    <a:ext uri="{9D8B030D-6E8A-4147-A177-3AD203B41FA5}">
+                      <a16:colId xmlns:a16="http://schemas.microsoft.com/office/drawing/2014/main" val="1278414429"/>
+                    </a:ext>
+                  </a:extLst>
+                </a:gridCol>
+                <a:gridCol w="851172">
+                  <a:extLst>
+                    <a:ext uri="{9D8B030D-6E8A-4147-A177-3AD203B41FA5}">
+                      <a16:colId xmlns:a16="http://schemas.microsoft.com/office/drawing/2014/main" val="2403359073"/>
+                    </a:ext>
+                  </a:extLst>
+                </a:gridCol>
+              </a:tblGrid>
+              <a:tr h="370840">
+                <a:tc>
+                  <a:txBody>
+                    <a:bodyPr/>
+                    <a:lstStyle/>
+                    <a:p>
+                      <a:pPr algn="ctr"/>
+                      <a:r>
+                        <a:rPr lang="en-US" sz="1200" dirty="0"/>
+                        <a:t>County Info</a:t>
+                      </a:r>
+                    </a:p>
+                  </a:txBody>
+                  <a:tcPr anchor="ctr"/>
+                </a:tc>
+                <a:tc>
+                  <a:txBody>
+                    <a:bodyPr/>
+                    <a:lstStyle/>
+                    <a:p>
+                      <a:pPr algn="ctr"/>
+                      <a:r>
+                        <a:rPr lang="en-US" sz="1200" dirty="0"/>
+                        <a:t>State</a:t>
+                      </a:r>
+                    </a:p>
+                  </a:txBody>
+                  <a:tcPr anchor="ctr"/>
+                </a:tc>
+                <a:tc>
+                  <a:txBody>
+                    <a:bodyPr/>
+                    <a:lstStyle/>
+                    <a:p>
+                      <a:pPr algn="ctr"/>
+                      <a:r>
+                        <a:rPr lang="en-US" sz="1200" dirty="0"/>
+                        <a:t>Metadata, etc.</a:t>
+                      </a:r>
+                    </a:p>
+                  </a:txBody>
+                  <a:tcPr anchor="ctr"/>
+                </a:tc>
+                <a:tc>
+                  <a:txBody>
+                    <a:bodyPr/>
+                    <a:lstStyle/>
+                    <a:p>
+                      <a:pPr algn="ctr"/>
+                      <a:r>
+                        <a:rPr lang="en-US" sz="1200" dirty="0"/>
+                        <a:t>2010-01</a:t>
+                      </a:r>
+                    </a:p>
+                  </a:txBody>
+                  <a:tcPr anchor="ctr"/>
+                </a:tc>
+                <a:tc>
+                  <a:txBody>
+                    <a:bodyPr/>
+                    <a:lstStyle/>
+                    <a:p>
+                      <a:pPr algn="ctr"/>
+                      <a:r>
+                        <a:rPr lang="en-US" sz="1200" dirty="0"/>
+                        <a:t>2010-02</a:t>
+                      </a:r>
+                    </a:p>
+                  </a:txBody>
+                  <a:tcPr anchor="ctr"/>
+                </a:tc>
+                <a:tc>
+                  <a:txBody>
+                    <a:bodyPr/>
+                    <a:lstStyle/>
+                    <a:p>
+                      <a:pPr algn="ctr"/>
+                      <a:r>
+                        <a:rPr lang="en-US" sz="1200" dirty="0"/>
+                        <a:t>…</a:t>
+                      </a:r>
+                    </a:p>
+                  </a:txBody>
+                  <a:tcPr anchor="ctr"/>
+                </a:tc>
+                <a:extLst>
+                  <a:ext uri="{0D108BD9-81ED-4DB2-BD59-A6C34878D82A}">
+                    <a16:rowId xmlns:a16="http://schemas.microsoft.com/office/drawing/2014/main" val="1596250214"/>
+                  </a:ext>
+                </a:extLst>
+              </a:tr>
+              <a:tr h="370840">
+                <a:tc>
+                  <a:txBody>
+                    <a:bodyPr/>
+                    <a:lstStyle/>
+                    <a:p>
+                      <a:pPr algn="ctr" fontAlgn="b"/>
+                      <a:r>
+                        <a:rPr lang="en-US" sz="1200" b="0" i="0" u="none" strike="noStrike">
+                          <a:solidFill>
+                            <a:srgbClr val="000000"/>
+                          </a:solidFill>
+                          <a:effectLst/>
+                          <a:latin typeface="Calibri" panose="020F0502020204030204" pitchFamily="34" charset="0"/>
+                        </a:rPr>
+                        <a:t>Los Angeles County</a:t>
+                      </a:r>
+                    </a:p>
+                  </a:txBody>
+                  <a:tcPr marL="9525" marR="9525" marT="9525" marB="0" anchor="ctr"/>
+                </a:tc>
+                <a:tc>
+                  <a:txBody>
+                    <a:bodyPr/>
+                    <a:lstStyle/>
+                    <a:p>
+                      <a:pPr algn="ctr" fontAlgn="b"/>
+                      <a:r>
+                        <a:rPr lang="en-US" sz="1200" b="0" i="0" u="none" strike="noStrike">
+                          <a:solidFill>
+                            <a:srgbClr val="000000"/>
+                          </a:solidFill>
+                          <a:effectLst/>
+                          <a:latin typeface="Calibri" panose="020F0502020204030204" pitchFamily="34" charset="0"/>
+                        </a:rPr>
+                        <a:t>CA</a:t>
+                      </a:r>
+                    </a:p>
+                  </a:txBody>
+                  <a:tcPr marL="9525" marR="9525" marT="9525" marB="0" anchor="ctr"/>
+                </a:tc>
+                <a:tc>
+                  <a:txBody>
+                    <a:bodyPr/>
+                    <a:lstStyle/>
+                    <a:p>
+                      <a:pPr algn="ctr" fontAlgn="b"/>
+                      <a:r>
+                        <a:rPr lang="en-US" sz="1200" b="0" i="0" u="none" strike="noStrike">
+                          <a:solidFill>
+                            <a:srgbClr val="000000"/>
+                          </a:solidFill>
+                          <a:effectLst/>
+                          <a:latin typeface="Calibri" panose="020F0502020204030204" pitchFamily="34" charset="0"/>
+                        </a:rPr>
+                        <a:t>Los Angeles-Long Beach-Anaheim</a:t>
+                      </a:r>
+                    </a:p>
+                  </a:txBody>
+                  <a:tcPr marL="9525" marR="9525" marT="9525" marB="0" anchor="ctr"/>
+                </a:tc>
+                <a:tc>
+                  <a:txBody>
+                    <a:bodyPr/>
+                    <a:lstStyle/>
+                    <a:p>
+                      <a:pPr algn="ctr" fontAlgn="b"/>
+                      <a:r>
+                        <a:rPr lang="en-US" sz="1200" b="0" i="0" u="none" strike="noStrike">
+                          <a:solidFill>
+                            <a:srgbClr val="000000"/>
+                          </a:solidFill>
+                          <a:effectLst/>
+                          <a:latin typeface="Calibri" panose="020F0502020204030204" pitchFamily="34" charset="0"/>
+                        </a:rPr>
+                        <a:t>399000</a:t>
+                      </a:r>
+                    </a:p>
+                  </a:txBody>
+                  <a:tcPr marL="9525" marR="9525" marT="9525" marB="0" anchor="ctr"/>
+                </a:tc>
+                <a:tc>
+                  <a:txBody>
+                    <a:bodyPr/>
+                    <a:lstStyle/>
+                    <a:p>
+                      <a:pPr algn="ctr" fontAlgn="b"/>
+                      <a:r>
+                        <a:rPr lang="en-US" sz="1200" b="0" i="0" u="none" strike="noStrike">
+                          <a:solidFill>
+                            <a:srgbClr val="000000"/>
+                          </a:solidFill>
+                          <a:effectLst/>
+                          <a:latin typeface="Calibri" panose="020F0502020204030204" pitchFamily="34" charset="0"/>
+                        </a:rPr>
+                        <a:t>389000</a:t>
+                      </a:r>
+                    </a:p>
+                  </a:txBody>
+                  <a:tcPr marL="9525" marR="9525" marT="9525" marB="0" anchor="ctr"/>
+                </a:tc>
+                <a:tc>
+                  <a:txBody>
+                    <a:bodyPr/>
+                    <a:lstStyle/>
+                    <a:p>
+                      <a:pPr algn="ctr" fontAlgn="b"/>
+                      <a:r>
+                        <a:rPr lang="en-US" sz="1200" b="0" i="0" u="none" strike="noStrike" dirty="0">
+                          <a:solidFill>
+                            <a:srgbClr val="000000"/>
+                          </a:solidFill>
+                          <a:effectLst/>
+                          <a:latin typeface="Calibri" panose="020F0502020204030204" pitchFamily="34" charset="0"/>
+                        </a:rPr>
+                        <a:t>…</a:t>
+                      </a:r>
+                    </a:p>
+                  </a:txBody>
+                  <a:tcPr marL="9525" marR="9525" marT="9525" marB="0" anchor="ctr"/>
+                </a:tc>
+                <a:extLst>
+                  <a:ext uri="{0D108BD9-81ED-4DB2-BD59-A6C34878D82A}">
+                    <a16:rowId xmlns:a16="http://schemas.microsoft.com/office/drawing/2014/main" val="3598227286"/>
+                  </a:ext>
+                </a:extLst>
+              </a:tr>
+              <a:tr h="370840">
+                <a:tc>
+                  <a:txBody>
+                    <a:bodyPr/>
+                    <a:lstStyle/>
+                    <a:p>
+                      <a:pPr algn="ctr" fontAlgn="b"/>
+                      <a:r>
+                        <a:rPr lang="en-US" sz="1200" b="0" i="0" u="none" strike="noStrike">
+                          <a:solidFill>
+                            <a:srgbClr val="000000"/>
+                          </a:solidFill>
+                          <a:effectLst/>
+                          <a:latin typeface="Calibri" panose="020F0502020204030204" pitchFamily="34" charset="0"/>
+                        </a:rPr>
+                        <a:t>Cook County</a:t>
+                      </a:r>
+                    </a:p>
+                  </a:txBody>
+                  <a:tcPr marL="9525" marR="9525" marT="9525" marB="0" anchor="ctr"/>
+                </a:tc>
+                <a:tc>
+                  <a:txBody>
+                    <a:bodyPr/>
+                    <a:lstStyle/>
+                    <a:p>
+                      <a:pPr algn="ctr" fontAlgn="b"/>
+                      <a:r>
+                        <a:rPr lang="en-US" sz="1200" b="0" i="0" u="none" strike="noStrike">
+                          <a:solidFill>
+                            <a:srgbClr val="000000"/>
+                          </a:solidFill>
+                          <a:effectLst/>
+                          <a:latin typeface="Calibri" panose="020F0502020204030204" pitchFamily="34" charset="0"/>
+                        </a:rPr>
+                        <a:t>IL</a:t>
+                      </a:r>
+                    </a:p>
+                  </a:txBody>
+                  <a:tcPr marL="9525" marR="9525" marT="9525" marB="0" anchor="ctr"/>
+                </a:tc>
+                <a:tc>
+                  <a:txBody>
+                    <a:bodyPr/>
+                    <a:lstStyle/>
+                    <a:p>
+                      <a:pPr algn="ctr" fontAlgn="b"/>
+                      <a:r>
+                        <a:rPr lang="en-US" sz="1200" b="0" i="0" u="none" strike="noStrike">
+                          <a:solidFill>
+                            <a:srgbClr val="000000"/>
+                          </a:solidFill>
+                          <a:effectLst/>
+                          <a:latin typeface="Calibri" panose="020F0502020204030204" pitchFamily="34" charset="0"/>
+                        </a:rPr>
+                        <a:t>Chicago-Naperville-Elgin</a:t>
+                      </a:r>
+                    </a:p>
+                  </a:txBody>
+                  <a:tcPr marL="9525" marR="9525" marT="9525" marB="0" anchor="ctr"/>
+                </a:tc>
+                <a:tc>
+                  <a:txBody>
+                    <a:bodyPr/>
+                    <a:lstStyle/>
+                    <a:p>
+                      <a:pPr algn="ctr" fontAlgn="b"/>
+                      <a:r>
+                        <a:rPr lang="en-US" sz="1200" b="0" i="0" u="none" strike="noStrike">
+                          <a:solidFill>
+                            <a:srgbClr val="000000"/>
+                          </a:solidFill>
+                          <a:effectLst/>
+                          <a:latin typeface="Calibri" panose="020F0502020204030204" pitchFamily="34" charset="0"/>
+                        </a:rPr>
+                        <a:t>244900</a:t>
+                      </a:r>
+                    </a:p>
+                  </a:txBody>
+                  <a:tcPr marL="9525" marR="9525" marT="9525" marB="0" anchor="ctr"/>
+                </a:tc>
+                <a:tc>
+                  <a:txBody>
+                    <a:bodyPr/>
+                    <a:lstStyle/>
+                    <a:p>
+                      <a:pPr algn="ctr" fontAlgn="b"/>
+                      <a:r>
+                        <a:rPr lang="en-US" sz="1200" b="0" i="0" u="none" strike="noStrike">
+                          <a:solidFill>
+                            <a:srgbClr val="000000"/>
+                          </a:solidFill>
+                          <a:effectLst/>
+                          <a:latin typeface="Calibri" panose="020F0502020204030204" pitchFamily="34" charset="0"/>
+                        </a:rPr>
+                        <a:t>249000</a:t>
+                      </a:r>
+                    </a:p>
+                  </a:txBody>
+                  <a:tcPr marL="9525" marR="9525" marT="9525" marB="0" anchor="ctr"/>
+                </a:tc>
+                <a:tc>
+                  <a:txBody>
+                    <a:bodyPr/>
+                    <a:lstStyle/>
+                    <a:p>
+                      <a:pPr algn="ctr" fontAlgn="b"/>
+                      <a:r>
+                        <a:rPr lang="en-US" sz="1200" b="0" i="0" u="none" strike="noStrike" dirty="0">
+                          <a:solidFill>
+                            <a:srgbClr val="000000"/>
+                          </a:solidFill>
+                          <a:effectLst/>
+                          <a:latin typeface="Calibri" panose="020F0502020204030204" pitchFamily="34" charset="0"/>
+                        </a:rPr>
+                        <a:t>…</a:t>
+                      </a:r>
+                    </a:p>
+                  </a:txBody>
+                  <a:tcPr marL="9525" marR="9525" marT="9525" marB="0" anchor="ctr"/>
+                </a:tc>
+                <a:extLst>
+                  <a:ext uri="{0D108BD9-81ED-4DB2-BD59-A6C34878D82A}">
+                    <a16:rowId xmlns:a16="http://schemas.microsoft.com/office/drawing/2014/main" val="1687032631"/>
+                  </a:ext>
+                </a:extLst>
+              </a:tr>
+              <a:tr h="370840">
+                <a:tc>
+                  <a:txBody>
+                    <a:bodyPr/>
+                    <a:lstStyle/>
+                    <a:p>
+                      <a:pPr algn="ctr" fontAlgn="b"/>
+                      <a:r>
+                        <a:rPr lang="en-US" sz="1200" b="0" i="0" u="none" strike="noStrike">
+                          <a:solidFill>
+                            <a:srgbClr val="000000"/>
+                          </a:solidFill>
+                          <a:effectLst/>
+                          <a:latin typeface="Calibri" panose="020F0502020204030204" pitchFamily="34" charset="0"/>
+                        </a:rPr>
+                        <a:t>Harris County</a:t>
+                      </a:r>
+                    </a:p>
+                  </a:txBody>
+                  <a:tcPr marL="9525" marR="9525" marT="9525" marB="0" anchor="ctr"/>
+                </a:tc>
+                <a:tc>
+                  <a:txBody>
+                    <a:bodyPr/>
+                    <a:lstStyle/>
+                    <a:p>
+                      <a:pPr algn="ctr" fontAlgn="b"/>
+                      <a:r>
+                        <a:rPr lang="en-US" sz="1200" b="0" i="0" u="none" strike="noStrike">
+                          <a:solidFill>
+                            <a:srgbClr val="000000"/>
+                          </a:solidFill>
+                          <a:effectLst/>
+                          <a:latin typeface="Calibri" panose="020F0502020204030204" pitchFamily="34" charset="0"/>
+                        </a:rPr>
+                        <a:t>TX</a:t>
+                      </a:r>
+                    </a:p>
+                  </a:txBody>
+                  <a:tcPr marL="9525" marR="9525" marT="9525" marB="0" anchor="ctr"/>
+                </a:tc>
+                <a:tc>
+                  <a:txBody>
+                    <a:bodyPr/>
+                    <a:lstStyle/>
+                    <a:p>
+                      <a:pPr algn="ctr" fontAlgn="b"/>
+                      <a:r>
+                        <a:rPr lang="en-US" sz="1200" b="0" i="0" u="none" strike="noStrike">
+                          <a:solidFill>
+                            <a:srgbClr val="000000"/>
+                          </a:solidFill>
+                          <a:effectLst/>
+                          <a:latin typeface="Calibri" panose="020F0502020204030204" pitchFamily="34" charset="0"/>
+                        </a:rPr>
+                        <a:t>Houston-The Woodlands-Sugar Land</a:t>
+                      </a:r>
+                    </a:p>
+                  </a:txBody>
+                  <a:tcPr marL="9525" marR="9525" marT="9525" marB="0" anchor="ctr"/>
+                </a:tc>
+                <a:tc>
+                  <a:txBody>
+                    <a:bodyPr/>
+                    <a:lstStyle/>
+                    <a:p>
+                      <a:pPr algn="ctr" fontAlgn="b"/>
+                      <a:r>
+                        <a:rPr lang="en-US" sz="1200" b="0" i="0" u="none" strike="noStrike">
+                          <a:solidFill>
+                            <a:srgbClr val="000000"/>
+                          </a:solidFill>
+                          <a:effectLst/>
+                          <a:latin typeface="Calibri" panose="020F0502020204030204" pitchFamily="34" charset="0"/>
+                        </a:rPr>
+                        <a:t>149900</a:t>
+                      </a:r>
+                    </a:p>
+                  </a:txBody>
+                  <a:tcPr marL="9525" marR="9525" marT="9525" marB="0" anchor="ctr"/>
+                </a:tc>
+                <a:tc>
+                  <a:txBody>
+                    <a:bodyPr/>
+                    <a:lstStyle/>
+                    <a:p>
+                      <a:pPr algn="ctr" fontAlgn="b"/>
+                      <a:r>
+                        <a:rPr lang="en-US" sz="1200" b="0" i="0" u="none" strike="noStrike">
+                          <a:solidFill>
+                            <a:srgbClr val="000000"/>
+                          </a:solidFill>
+                          <a:effectLst/>
+                          <a:latin typeface="Calibri" panose="020F0502020204030204" pitchFamily="34" charset="0"/>
+                        </a:rPr>
+                        <a:t>152900</a:t>
+                      </a:r>
+                    </a:p>
+                  </a:txBody>
+                  <a:tcPr marL="9525" marR="9525" marT="9525" marB="0" anchor="ctr"/>
+                </a:tc>
+                <a:tc>
+                  <a:txBody>
+                    <a:bodyPr/>
+                    <a:lstStyle/>
+                    <a:p>
+                      <a:pPr algn="ctr" fontAlgn="b"/>
+                      <a:r>
+                        <a:rPr lang="en-US" sz="1200" b="0" i="0" u="none" strike="noStrike" dirty="0">
+                          <a:solidFill>
+                            <a:srgbClr val="000000"/>
+                          </a:solidFill>
+                          <a:effectLst/>
+                          <a:latin typeface="Calibri" panose="020F0502020204030204" pitchFamily="34" charset="0"/>
+                        </a:rPr>
+                        <a:t>…</a:t>
+                      </a:r>
+                    </a:p>
+                  </a:txBody>
+                  <a:tcPr marL="9525" marR="9525" marT="9525" marB="0" anchor="ctr"/>
+                </a:tc>
+                <a:extLst>
+                  <a:ext uri="{0D108BD9-81ED-4DB2-BD59-A6C34878D82A}">
+                    <a16:rowId xmlns:a16="http://schemas.microsoft.com/office/drawing/2014/main" val="107048520"/>
+                  </a:ext>
+                </a:extLst>
+              </a:tr>
+              <a:tr h="370840">
+                <a:tc>
+                  <a:txBody>
+                    <a:bodyPr/>
+                    <a:lstStyle/>
+                    <a:p>
+                      <a:pPr algn="ctr" fontAlgn="b"/>
+                      <a:r>
+                        <a:rPr lang="en-US" sz="1200" b="0" i="0" u="none" strike="noStrike" dirty="0">
+                          <a:solidFill>
+                            <a:srgbClr val="000000"/>
+                          </a:solidFill>
+                          <a:effectLst/>
+                          <a:latin typeface="Calibri" panose="020F0502020204030204" pitchFamily="34" charset="0"/>
+                        </a:rPr>
+                        <a:t>Maricopa County</a:t>
+                      </a:r>
+                    </a:p>
+                  </a:txBody>
+                  <a:tcPr marL="9525" marR="9525" marT="9525" marB="0" anchor="ctr"/>
+                </a:tc>
+                <a:tc>
+                  <a:txBody>
+                    <a:bodyPr/>
+                    <a:lstStyle/>
+                    <a:p>
+                      <a:pPr algn="ctr" fontAlgn="b"/>
+                      <a:r>
+                        <a:rPr lang="en-US" sz="1200" b="0" i="0" u="none" strike="noStrike" dirty="0">
+                          <a:solidFill>
+                            <a:srgbClr val="000000"/>
+                          </a:solidFill>
+                          <a:effectLst/>
+                          <a:latin typeface="Calibri" panose="020F0502020204030204" pitchFamily="34" charset="0"/>
+                        </a:rPr>
+                        <a:t>AZ</a:t>
+                      </a:r>
+                    </a:p>
+                  </a:txBody>
+                  <a:tcPr marL="9525" marR="9525" marT="9525" marB="0" anchor="ctr"/>
+                </a:tc>
+                <a:tc>
+                  <a:txBody>
+                    <a:bodyPr/>
+                    <a:lstStyle/>
+                    <a:p>
+                      <a:pPr algn="ctr" fontAlgn="b"/>
+                      <a:r>
+                        <a:rPr lang="en-US" sz="1200" b="0" i="0" u="none" strike="noStrike" dirty="0">
+                          <a:solidFill>
+                            <a:srgbClr val="000000"/>
+                          </a:solidFill>
+                          <a:effectLst/>
+                          <a:latin typeface="Calibri" panose="020F0502020204030204" pitchFamily="34" charset="0"/>
+                        </a:rPr>
+                        <a:t>Phoenix-Mesa-Scottsdale</a:t>
+                      </a:r>
+                    </a:p>
+                  </a:txBody>
+                  <a:tcPr marL="9525" marR="9525" marT="9525" marB="0" anchor="ctr"/>
+                </a:tc>
+                <a:tc>
+                  <a:txBody>
+                    <a:bodyPr/>
+                    <a:lstStyle/>
+                    <a:p>
+                      <a:pPr algn="ctr" fontAlgn="b"/>
+                      <a:r>
+                        <a:rPr lang="en-US" sz="1200" b="0" i="0" u="none" strike="noStrike">
+                          <a:solidFill>
+                            <a:srgbClr val="000000"/>
+                          </a:solidFill>
+                          <a:effectLst/>
+                          <a:latin typeface="Calibri" panose="020F0502020204030204" pitchFamily="34" charset="0"/>
+                        </a:rPr>
+                        <a:t>179900</a:t>
+                      </a:r>
+                    </a:p>
+                  </a:txBody>
+                  <a:tcPr marL="9525" marR="9525" marT="9525" marB="0" anchor="ctr"/>
+                </a:tc>
+                <a:tc>
+                  <a:txBody>
+                    <a:bodyPr/>
+                    <a:lstStyle/>
+                    <a:p>
+                      <a:pPr algn="ctr" fontAlgn="b"/>
+                      <a:r>
+                        <a:rPr lang="en-US" sz="1200" b="0" i="0" u="none" strike="noStrike">
+                          <a:solidFill>
+                            <a:srgbClr val="000000"/>
+                          </a:solidFill>
+                          <a:effectLst/>
+                          <a:latin typeface="Calibri" panose="020F0502020204030204" pitchFamily="34" charset="0"/>
+                        </a:rPr>
+                        <a:t>175900</a:t>
+                      </a:r>
+                    </a:p>
+                  </a:txBody>
+                  <a:tcPr marL="9525" marR="9525" marT="9525" marB="0" anchor="ctr"/>
+                </a:tc>
+                <a:tc>
+                  <a:txBody>
+                    <a:bodyPr/>
+                    <a:lstStyle/>
+                    <a:p>
+                      <a:pPr algn="ctr" fontAlgn="b"/>
+                      <a:r>
+                        <a:rPr lang="en-US" sz="1200" b="0" i="0" u="none" strike="noStrike" dirty="0">
+                          <a:solidFill>
+                            <a:srgbClr val="000000"/>
+                          </a:solidFill>
+                          <a:effectLst/>
+                          <a:latin typeface="Calibri" panose="020F0502020204030204" pitchFamily="34" charset="0"/>
+                        </a:rPr>
+                        <a:t>…</a:t>
+                      </a:r>
+                    </a:p>
+                  </a:txBody>
+                  <a:tcPr marL="9525" marR="9525" marT="9525" marB="0" anchor="ctr"/>
+                </a:tc>
+                <a:extLst>
+                  <a:ext uri="{0D108BD9-81ED-4DB2-BD59-A6C34878D82A}">
+                    <a16:rowId xmlns:a16="http://schemas.microsoft.com/office/drawing/2014/main" val="3804727491"/>
+                  </a:ext>
+                </a:extLst>
+              </a:tr>
+              <a:tr h="370840">
+                <a:tc>
+                  <a:txBody>
+                    <a:bodyPr/>
+                    <a:lstStyle/>
+                    <a:p>
+                      <a:pPr algn="ctr"/>
+                      <a:r>
+                        <a:rPr lang="en-US" sz="1200" dirty="0"/>
+                        <a:t>…</a:t>
+                      </a:r>
+                    </a:p>
+                  </a:txBody>
+                  <a:tcPr anchor="ctr"/>
+                </a:tc>
+                <a:tc>
+                  <a:txBody>
+                    <a:bodyPr/>
+                    <a:lstStyle/>
+                    <a:p>
+                      <a:pPr algn="ctr"/>
+                      <a:r>
+                        <a:rPr lang="en-US" sz="1200" dirty="0"/>
+                        <a:t>…</a:t>
+                      </a:r>
+                    </a:p>
+                  </a:txBody>
+                  <a:tcPr anchor="ctr"/>
+                </a:tc>
+                <a:tc>
+                  <a:txBody>
+                    <a:bodyPr/>
+                    <a:lstStyle/>
+                    <a:p>
+                      <a:pPr algn="ctr"/>
+                      <a:r>
+                        <a:rPr lang="en-US" sz="1200" dirty="0"/>
+                        <a:t>…</a:t>
+                      </a:r>
+                    </a:p>
+                  </a:txBody>
+                  <a:tcPr anchor="ctr"/>
+                </a:tc>
+                <a:tc>
+                  <a:txBody>
+                    <a:bodyPr/>
+                    <a:lstStyle/>
+                    <a:p>
+                      <a:pPr algn="ctr"/>
+                      <a:r>
+                        <a:rPr lang="en-US" sz="1200" dirty="0"/>
+                        <a:t>...</a:t>
+                      </a:r>
+                    </a:p>
+                  </a:txBody>
+                  <a:tcPr anchor="ctr"/>
+                </a:tc>
+                <a:tc>
+                  <a:txBody>
+                    <a:bodyPr/>
+                    <a:lstStyle/>
+                    <a:p>
+                      <a:pPr algn="ctr"/>
+                      <a:r>
+                        <a:rPr lang="en-US" sz="1200" dirty="0"/>
+                        <a:t>...</a:t>
+                      </a:r>
+                    </a:p>
+                  </a:txBody>
+                  <a:tcPr anchor="ctr"/>
+                </a:tc>
+                <a:tc>
+                  <a:txBody>
+                    <a:bodyPr/>
+                    <a:lstStyle/>
+                    <a:p>
+                      <a:pPr algn="ctr"/>
+                      <a:r>
+                        <a:rPr lang="en-US" sz="1200" dirty="0"/>
+                        <a:t>…</a:t>
+                      </a:r>
+                    </a:p>
+                  </a:txBody>
+                  <a:tcPr anchor="ctr"/>
+                </a:tc>
+                <a:extLst>
+                  <a:ext uri="{0D108BD9-81ED-4DB2-BD59-A6C34878D82A}">
+                    <a16:rowId xmlns:a16="http://schemas.microsoft.com/office/drawing/2014/main" val="1930423709"/>
+                  </a:ext>
+                </a:extLst>
+              </a:tr>
+            </a:tbl>
+          </a:graphicData>
+        </a:graphic>
+      </p:graphicFrame>
+      <p:sp>
+        <p:nvSpPr>
+          <p:cNvPr id="6" name="TextBox 5">
+            <a:extLst>
+              <a:ext uri="{FF2B5EF4-FFF2-40B4-BE49-F238E27FC236}">
+                <a16:creationId xmlns:a16="http://schemas.microsoft.com/office/drawing/2014/main" id="{B3A3CBD8-540A-4399-9682-6A509FAC882E}"/>
+              </a:ext>
+            </a:extLst>
+          </p:cNvPr>
+          <p:cNvSpPr txBox="1"/>
+          <p:nvPr/>
+        </p:nvSpPr>
+        <p:spPr>
+          <a:xfrm>
+            <a:off x="4620452" y="8696"/>
+            <a:ext cx="3553165" cy="523220"/>
+          </a:xfrm>
+          <a:prstGeom prst="rect">
+            <a:avLst/>
+          </a:prstGeom>
+          <a:noFill/>
+        </p:spPr>
+        <p:txBody>
+          <a:bodyPr wrap="square" rtlCol="0">
+            <a:spAutoFit/>
+          </a:bodyPr>
+          <a:lstStyle/>
+          <a:p>
+            <a:r>
+              <a:rPr lang="en-US" sz="2800" dirty="0"/>
+              <a:t>Source Data Clean-up</a:t>
+            </a:r>
+          </a:p>
+        </p:txBody>
+      </p:sp>
+      <p:sp>
+        <p:nvSpPr>
+          <p:cNvPr id="7" name="TextBox 6">
+            <a:extLst>
+              <a:ext uri="{FF2B5EF4-FFF2-40B4-BE49-F238E27FC236}">
+                <a16:creationId xmlns:a16="http://schemas.microsoft.com/office/drawing/2014/main" id="{F1E61F34-B1E8-4BA1-B00C-1FD7E02F0BB0}"/>
+              </a:ext>
+            </a:extLst>
+          </p:cNvPr>
+          <p:cNvSpPr txBox="1"/>
+          <p:nvPr/>
+        </p:nvSpPr>
+        <p:spPr>
+          <a:xfrm>
+            <a:off x="398368" y="531916"/>
+            <a:ext cx="4018327" cy="369332"/>
+          </a:xfrm>
+          <a:prstGeom prst="rect">
+            <a:avLst/>
+          </a:prstGeom>
+          <a:noFill/>
+        </p:spPr>
+        <p:txBody>
+          <a:bodyPr wrap="square" rtlCol="0">
+            <a:spAutoFit/>
+          </a:bodyPr>
+          <a:lstStyle/>
+          <a:p>
+            <a:r>
+              <a:rPr lang="en-US" dirty="0"/>
+              <a:t>List Price Data</a:t>
+            </a:r>
+          </a:p>
+        </p:txBody>
+      </p:sp>
+      <p:graphicFrame>
+        <p:nvGraphicFramePr>
+          <p:cNvPr id="9" name="Table 8">
+            <a:extLst>
+              <a:ext uri="{FF2B5EF4-FFF2-40B4-BE49-F238E27FC236}">
+                <a16:creationId xmlns:a16="http://schemas.microsoft.com/office/drawing/2014/main" id="{D5626BD8-11DF-435A-8FBC-A84B32267C9E}"/>
+              </a:ext>
+            </a:extLst>
+          </p:cNvPr>
+          <p:cNvGraphicFramePr>
+            <a:graphicFrameLocks noGrp="1"/>
+          </p:cNvGraphicFramePr>
+          <p:nvPr>
+            <p:extLst>
+              <p:ext uri="{D42A27DB-BD31-4B8C-83A1-F6EECF244321}">
+                <p14:modId xmlns:p14="http://schemas.microsoft.com/office/powerpoint/2010/main" val="2509032213"/>
+              </p:ext>
+            </p:extLst>
+          </p:nvPr>
+        </p:nvGraphicFramePr>
+        <p:xfrm>
+          <a:off x="408623" y="4574325"/>
+          <a:ext cx="1590648" cy="1318260"/>
+        </p:xfrm>
+        <a:graphic>
+          <a:graphicData uri="http://schemas.openxmlformats.org/drawingml/2006/table">
+            <a:tbl>
+              <a:tblPr firstRow="1" bandRow="1">
+                <a:tableStyleId>{5940675A-B579-460E-94D1-54222C63F5DA}</a:tableStyleId>
+              </a:tblPr>
+              <a:tblGrid>
+                <a:gridCol w="265108">
+                  <a:extLst>
+                    <a:ext uri="{9D8B030D-6E8A-4147-A177-3AD203B41FA5}">
+                      <a16:colId xmlns:a16="http://schemas.microsoft.com/office/drawing/2014/main" val="9685845"/>
+                    </a:ext>
+                  </a:extLst>
+                </a:gridCol>
+                <a:gridCol w="265108">
+                  <a:extLst>
+                    <a:ext uri="{9D8B030D-6E8A-4147-A177-3AD203B41FA5}">
+                      <a16:colId xmlns:a16="http://schemas.microsoft.com/office/drawing/2014/main" val="1123352740"/>
+                    </a:ext>
+                  </a:extLst>
+                </a:gridCol>
+                <a:gridCol w="265108">
+                  <a:extLst>
+                    <a:ext uri="{9D8B030D-6E8A-4147-A177-3AD203B41FA5}">
+                      <a16:colId xmlns:a16="http://schemas.microsoft.com/office/drawing/2014/main" val="2347105825"/>
+                    </a:ext>
+                  </a:extLst>
+                </a:gridCol>
+                <a:gridCol w="265108">
+                  <a:extLst>
+                    <a:ext uri="{9D8B030D-6E8A-4147-A177-3AD203B41FA5}">
+                      <a16:colId xmlns:a16="http://schemas.microsoft.com/office/drawing/2014/main" val="1519326824"/>
+                    </a:ext>
+                  </a:extLst>
+                </a:gridCol>
+                <a:gridCol w="265108">
+                  <a:extLst>
+                    <a:ext uri="{9D8B030D-6E8A-4147-A177-3AD203B41FA5}">
+                      <a16:colId xmlns:a16="http://schemas.microsoft.com/office/drawing/2014/main" val="1278414429"/>
+                    </a:ext>
+                  </a:extLst>
+                </a:gridCol>
+                <a:gridCol w="265108">
+                  <a:extLst>
+                    <a:ext uri="{9D8B030D-6E8A-4147-A177-3AD203B41FA5}">
+                      <a16:colId xmlns:a16="http://schemas.microsoft.com/office/drawing/2014/main" val="2403359073"/>
+                    </a:ext>
+                  </a:extLst>
+                </a:gridCol>
+              </a:tblGrid>
+              <a:tr h="220911">
+                <a:tc>
+                  <a:txBody>
+                    <a:bodyPr/>
+                    <a:lstStyle/>
+                    <a:p>
+                      <a:pPr algn="ctr"/>
+                      <a:endParaRPr lang="en-US" sz="1200" dirty="0"/>
+                    </a:p>
+                  </a:txBody>
+                  <a:tcPr anchor="ctr"/>
+                </a:tc>
+                <a:tc>
+                  <a:txBody>
+                    <a:bodyPr/>
+                    <a:lstStyle/>
+                    <a:p>
+                      <a:pPr algn="ctr"/>
+                      <a:endParaRPr lang="en-US" sz="1200" dirty="0"/>
+                    </a:p>
+                  </a:txBody>
+                  <a:tcPr anchor="ctr"/>
+                </a:tc>
+                <a:tc>
+                  <a:txBody>
+                    <a:bodyPr/>
+                    <a:lstStyle/>
+                    <a:p>
+                      <a:pPr algn="ctr"/>
+                      <a:endParaRPr lang="en-US" sz="1200" dirty="0"/>
+                    </a:p>
+                  </a:txBody>
+                  <a:tcPr anchor="ctr"/>
+                </a:tc>
+                <a:tc>
+                  <a:txBody>
+                    <a:bodyPr/>
+                    <a:lstStyle/>
+                    <a:p>
+                      <a:pPr algn="ctr"/>
+                      <a:endParaRPr lang="en-US" sz="1200" dirty="0"/>
+                    </a:p>
+                  </a:txBody>
+                  <a:tcPr anchor="ctr"/>
+                </a:tc>
+                <a:tc>
+                  <a:txBody>
+                    <a:bodyPr/>
+                    <a:lstStyle/>
+                    <a:p>
+                      <a:pPr algn="ctr"/>
+                      <a:endParaRPr lang="en-US" sz="1200" dirty="0"/>
+                    </a:p>
+                  </a:txBody>
+                  <a:tcPr anchor="ctr"/>
+                </a:tc>
+                <a:tc>
+                  <a:txBody>
+                    <a:bodyPr/>
+                    <a:lstStyle/>
+                    <a:p>
+                      <a:pPr algn="ctr"/>
+                      <a:endParaRPr lang="en-US" sz="1200" dirty="0"/>
+                    </a:p>
+                  </a:txBody>
+                  <a:tcPr anchor="ctr"/>
+                </a:tc>
+                <a:extLst>
+                  <a:ext uri="{0D108BD9-81ED-4DB2-BD59-A6C34878D82A}">
+                    <a16:rowId xmlns:a16="http://schemas.microsoft.com/office/drawing/2014/main" val="1596250214"/>
+                  </a:ext>
+                </a:extLst>
+              </a:tr>
+              <a:tr h="159648">
+                <a:tc>
+                  <a:txBody>
+                    <a:bodyPr/>
+                    <a:lstStyle/>
+                    <a:p>
+                      <a:pPr algn="ctr" fontAlgn="b"/>
+                      <a:endParaRPr lang="en-US" sz="1200" b="0" i="0" u="none" strike="noStrike">
+                        <a:solidFill>
+                          <a:srgbClr val="000000"/>
+                        </a:solidFill>
+                        <a:effectLst/>
+                        <a:latin typeface="Calibri" panose="020F0502020204030204" pitchFamily="34" charset="0"/>
+                      </a:endParaRPr>
+                    </a:p>
+                  </a:txBody>
+                  <a:tcPr marL="9525" marR="9525" marT="9525" marB="0" anchor="ctr"/>
+                </a:tc>
+                <a:tc>
+                  <a:txBody>
+                    <a:bodyPr/>
+                    <a:lstStyle/>
+                    <a:p>
+                      <a:pPr algn="ctr" fontAlgn="b"/>
+                      <a:endParaRPr lang="en-US" sz="1200" b="0" i="0" u="none" strike="noStrike">
+                        <a:solidFill>
+                          <a:srgbClr val="000000"/>
+                        </a:solidFill>
+                        <a:effectLst/>
+                        <a:latin typeface="Calibri" panose="020F0502020204030204" pitchFamily="34" charset="0"/>
+                      </a:endParaRPr>
+                    </a:p>
+                  </a:txBody>
+                  <a:tcPr marL="9525" marR="9525" marT="9525" marB="0" anchor="ctr"/>
+                </a:tc>
+                <a:tc>
+                  <a:txBody>
+                    <a:bodyPr/>
+                    <a:lstStyle/>
+                    <a:p>
+                      <a:pPr algn="ctr" fontAlgn="b"/>
+                      <a:endParaRPr lang="en-US" sz="1200" b="0" i="0" u="none" strike="noStrike">
+                        <a:solidFill>
+                          <a:srgbClr val="000000"/>
+                        </a:solidFill>
+                        <a:effectLst/>
+                        <a:latin typeface="Calibri" panose="020F0502020204030204" pitchFamily="34" charset="0"/>
+                      </a:endParaRPr>
+                    </a:p>
+                  </a:txBody>
+                  <a:tcPr marL="9525" marR="9525" marT="9525" marB="0" anchor="ctr"/>
+                </a:tc>
+                <a:tc>
+                  <a:txBody>
+                    <a:bodyPr/>
+                    <a:lstStyle/>
+                    <a:p>
+                      <a:pPr algn="ctr" fontAlgn="b"/>
+                      <a:endParaRPr lang="en-US" sz="1200" b="0" i="0" u="none" strike="noStrike">
+                        <a:solidFill>
+                          <a:srgbClr val="000000"/>
+                        </a:solidFill>
+                        <a:effectLst/>
+                        <a:latin typeface="Calibri" panose="020F0502020204030204" pitchFamily="34" charset="0"/>
+                      </a:endParaRPr>
+                    </a:p>
+                  </a:txBody>
+                  <a:tcPr marL="9525" marR="9525" marT="9525" marB="0" anchor="ctr"/>
+                </a:tc>
+                <a:tc>
+                  <a:txBody>
+                    <a:bodyPr/>
+                    <a:lstStyle/>
+                    <a:p>
+                      <a:pPr algn="ctr" fontAlgn="b"/>
+                      <a:endParaRPr lang="en-US" sz="1200" b="0" i="0" u="none" strike="noStrike">
+                        <a:solidFill>
+                          <a:srgbClr val="000000"/>
+                        </a:solidFill>
+                        <a:effectLst/>
+                        <a:latin typeface="Calibri" panose="020F0502020204030204" pitchFamily="34" charset="0"/>
+                      </a:endParaRPr>
+                    </a:p>
+                  </a:txBody>
+                  <a:tcPr marL="9525" marR="9525" marT="9525" marB="0" anchor="ctr"/>
+                </a:tc>
+                <a:tc>
+                  <a:txBody>
+                    <a:bodyPr/>
+                    <a:lstStyle/>
+                    <a:p>
+                      <a:pPr algn="ctr" fontAlgn="b"/>
+                      <a:endParaRPr lang="en-US" sz="1200" b="0" i="0" u="none" strike="noStrike" dirty="0">
+                        <a:solidFill>
+                          <a:srgbClr val="000000"/>
+                        </a:solidFill>
+                        <a:effectLst/>
+                        <a:latin typeface="Calibri" panose="020F0502020204030204" pitchFamily="34" charset="0"/>
+                      </a:endParaRPr>
+                    </a:p>
+                  </a:txBody>
+                  <a:tcPr marL="9525" marR="9525" marT="9525" marB="0" anchor="ctr"/>
+                </a:tc>
+                <a:extLst>
+                  <a:ext uri="{0D108BD9-81ED-4DB2-BD59-A6C34878D82A}">
+                    <a16:rowId xmlns:a16="http://schemas.microsoft.com/office/drawing/2014/main" val="3598227286"/>
+                  </a:ext>
+                </a:extLst>
+              </a:tr>
+              <a:tr h="159648">
+                <a:tc>
+                  <a:txBody>
+                    <a:bodyPr/>
+                    <a:lstStyle/>
+                    <a:p>
+                      <a:pPr algn="ctr" fontAlgn="b"/>
+                      <a:endParaRPr lang="en-US" sz="1200" b="0" i="0" u="none" strike="noStrike">
+                        <a:solidFill>
+                          <a:srgbClr val="000000"/>
+                        </a:solidFill>
+                        <a:effectLst/>
+                        <a:latin typeface="Calibri" panose="020F0502020204030204" pitchFamily="34" charset="0"/>
+                      </a:endParaRPr>
+                    </a:p>
+                  </a:txBody>
+                  <a:tcPr marL="9525" marR="9525" marT="9525" marB="0" anchor="ctr"/>
+                </a:tc>
+                <a:tc>
+                  <a:txBody>
+                    <a:bodyPr/>
+                    <a:lstStyle/>
+                    <a:p>
+                      <a:pPr algn="ctr" fontAlgn="b"/>
+                      <a:endParaRPr lang="en-US" sz="1200" b="0" i="0" u="none" strike="noStrike">
+                        <a:solidFill>
+                          <a:srgbClr val="000000"/>
+                        </a:solidFill>
+                        <a:effectLst/>
+                        <a:latin typeface="Calibri" panose="020F0502020204030204" pitchFamily="34" charset="0"/>
+                      </a:endParaRPr>
+                    </a:p>
+                  </a:txBody>
+                  <a:tcPr marL="9525" marR="9525" marT="9525" marB="0" anchor="ctr"/>
+                </a:tc>
+                <a:tc>
+                  <a:txBody>
+                    <a:bodyPr/>
+                    <a:lstStyle/>
+                    <a:p>
+                      <a:pPr algn="ctr" fontAlgn="b"/>
+                      <a:endParaRPr lang="en-US" sz="1200" b="0" i="0" u="none" strike="noStrike">
+                        <a:solidFill>
+                          <a:srgbClr val="000000"/>
+                        </a:solidFill>
+                        <a:effectLst/>
+                        <a:latin typeface="Calibri" panose="020F0502020204030204" pitchFamily="34" charset="0"/>
+                      </a:endParaRPr>
+                    </a:p>
+                  </a:txBody>
+                  <a:tcPr marL="9525" marR="9525" marT="9525" marB="0" anchor="ctr"/>
+                </a:tc>
+                <a:tc>
+                  <a:txBody>
+                    <a:bodyPr/>
+                    <a:lstStyle/>
+                    <a:p>
+                      <a:pPr algn="ctr" fontAlgn="b"/>
+                      <a:endParaRPr lang="en-US" sz="1200" b="0" i="0" u="none" strike="noStrike">
+                        <a:solidFill>
+                          <a:srgbClr val="000000"/>
+                        </a:solidFill>
+                        <a:effectLst/>
+                        <a:latin typeface="Calibri" panose="020F0502020204030204" pitchFamily="34" charset="0"/>
+                      </a:endParaRPr>
+                    </a:p>
+                  </a:txBody>
+                  <a:tcPr marL="9525" marR="9525" marT="9525" marB="0" anchor="ctr"/>
+                </a:tc>
+                <a:tc>
+                  <a:txBody>
+                    <a:bodyPr/>
+                    <a:lstStyle/>
+                    <a:p>
+                      <a:pPr algn="ctr" fontAlgn="b"/>
+                      <a:endParaRPr lang="en-US" sz="1200" b="0" i="0" u="none" strike="noStrike">
+                        <a:solidFill>
+                          <a:srgbClr val="000000"/>
+                        </a:solidFill>
+                        <a:effectLst/>
+                        <a:latin typeface="Calibri" panose="020F0502020204030204" pitchFamily="34" charset="0"/>
+                      </a:endParaRPr>
+                    </a:p>
+                  </a:txBody>
+                  <a:tcPr marL="9525" marR="9525" marT="9525" marB="0" anchor="ctr"/>
+                </a:tc>
+                <a:tc>
+                  <a:txBody>
+                    <a:bodyPr/>
+                    <a:lstStyle/>
+                    <a:p>
+                      <a:pPr algn="ctr" fontAlgn="b"/>
+                      <a:endParaRPr lang="en-US" sz="1200" b="0" i="0" u="none" strike="noStrike" dirty="0">
+                        <a:solidFill>
+                          <a:srgbClr val="000000"/>
+                        </a:solidFill>
+                        <a:effectLst/>
+                        <a:latin typeface="Calibri" panose="020F0502020204030204" pitchFamily="34" charset="0"/>
+                      </a:endParaRPr>
+                    </a:p>
+                  </a:txBody>
+                  <a:tcPr marL="9525" marR="9525" marT="9525" marB="0" anchor="ctr"/>
+                </a:tc>
+                <a:extLst>
+                  <a:ext uri="{0D108BD9-81ED-4DB2-BD59-A6C34878D82A}">
+                    <a16:rowId xmlns:a16="http://schemas.microsoft.com/office/drawing/2014/main" val="1687032631"/>
+                  </a:ext>
+                </a:extLst>
+              </a:tr>
+              <a:tr h="159648">
+                <a:tc>
+                  <a:txBody>
+                    <a:bodyPr/>
+                    <a:lstStyle/>
+                    <a:p>
+                      <a:pPr algn="ctr" fontAlgn="b"/>
+                      <a:endParaRPr lang="en-US" sz="1200" b="0" i="0" u="none" strike="noStrike">
+                        <a:solidFill>
+                          <a:srgbClr val="000000"/>
+                        </a:solidFill>
+                        <a:effectLst/>
+                        <a:latin typeface="Calibri" panose="020F0502020204030204" pitchFamily="34" charset="0"/>
+                      </a:endParaRPr>
+                    </a:p>
+                  </a:txBody>
+                  <a:tcPr marL="9525" marR="9525" marT="9525" marB="0" anchor="ctr"/>
+                </a:tc>
+                <a:tc>
+                  <a:txBody>
+                    <a:bodyPr/>
+                    <a:lstStyle/>
+                    <a:p>
+                      <a:pPr algn="ctr" fontAlgn="b"/>
+                      <a:endParaRPr lang="en-US" sz="1200" b="0" i="0" u="none" strike="noStrike">
+                        <a:solidFill>
+                          <a:srgbClr val="000000"/>
+                        </a:solidFill>
+                        <a:effectLst/>
+                        <a:latin typeface="Calibri" panose="020F0502020204030204" pitchFamily="34" charset="0"/>
+                      </a:endParaRPr>
+                    </a:p>
+                  </a:txBody>
+                  <a:tcPr marL="9525" marR="9525" marT="9525" marB="0" anchor="ctr"/>
+                </a:tc>
+                <a:tc>
+                  <a:txBody>
+                    <a:bodyPr/>
+                    <a:lstStyle/>
+                    <a:p>
+                      <a:pPr algn="ctr" fontAlgn="b"/>
+                      <a:endParaRPr lang="en-US" sz="1200" b="0" i="0" u="none" strike="noStrike">
+                        <a:solidFill>
+                          <a:srgbClr val="000000"/>
+                        </a:solidFill>
+                        <a:effectLst/>
+                        <a:latin typeface="Calibri" panose="020F0502020204030204" pitchFamily="34" charset="0"/>
+                      </a:endParaRPr>
+                    </a:p>
+                  </a:txBody>
+                  <a:tcPr marL="9525" marR="9525" marT="9525" marB="0" anchor="ctr"/>
+                </a:tc>
+                <a:tc>
+                  <a:txBody>
+                    <a:bodyPr/>
+                    <a:lstStyle/>
+                    <a:p>
+                      <a:pPr algn="ctr" fontAlgn="b"/>
+                      <a:endParaRPr lang="en-US" sz="1200" b="0" i="0" u="none" strike="noStrike">
+                        <a:solidFill>
+                          <a:srgbClr val="000000"/>
+                        </a:solidFill>
+                        <a:effectLst/>
+                        <a:latin typeface="Calibri" panose="020F0502020204030204" pitchFamily="34" charset="0"/>
+                      </a:endParaRPr>
+                    </a:p>
+                  </a:txBody>
+                  <a:tcPr marL="9525" marR="9525" marT="9525" marB="0" anchor="ctr"/>
+                </a:tc>
+                <a:tc>
+                  <a:txBody>
+                    <a:bodyPr/>
+                    <a:lstStyle/>
+                    <a:p>
+                      <a:pPr algn="ctr" fontAlgn="b"/>
+                      <a:endParaRPr lang="en-US" sz="1200" b="0" i="0" u="none" strike="noStrike">
+                        <a:solidFill>
+                          <a:srgbClr val="000000"/>
+                        </a:solidFill>
+                        <a:effectLst/>
+                        <a:latin typeface="Calibri" panose="020F0502020204030204" pitchFamily="34" charset="0"/>
+                      </a:endParaRPr>
+                    </a:p>
+                  </a:txBody>
+                  <a:tcPr marL="9525" marR="9525" marT="9525" marB="0" anchor="ctr"/>
+                </a:tc>
+                <a:tc>
+                  <a:txBody>
+                    <a:bodyPr/>
+                    <a:lstStyle/>
+                    <a:p>
+                      <a:pPr algn="ctr" fontAlgn="b"/>
+                      <a:endParaRPr lang="en-US" sz="1200" b="0" i="0" u="none" strike="noStrike" dirty="0">
+                        <a:solidFill>
+                          <a:srgbClr val="000000"/>
+                        </a:solidFill>
+                        <a:effectLst/>
+                        <a:latin typeface="Calibri" panose="020F0502020204030204" pitchFamily="34" charset="0"/>
+                      </a:endParaRPr>
+                    </a:p>
+                  </a:txBody>
+                  <a:tcPr marL="9525" marR="9525" marT="9525" marB="0" anchor="ctr"/>
+                </a:tc>
+                <a:extLst>
+                  <a:ext uri="{0D108BD9-81ED-4DB2-BD59-A6C34878D82A}">
+                    <a16:rowId xmlns:a16="http://schemas.microsoft.com/office/drawing/2014/main" val="107048520"/>
+                  </a:ext>
+                </a:extLst>
+              </a:tr>
+              <a:tr h="159648">
+                <a:tc>
+                  <a:txBody>
+                    <a:bodyPr/>
+                    <a:lstStyle/>
+                    <a:p>
+                      <a:pPr algn="ctr" fontAlgn="b"/>
+                      <a:endParaRPr lang="en-US" sz="1200" b="0" i="0" u="none" strike="noStrike">
+                        <a:solidFill>
+                          <a:srgbClr val="000000"/>
+                        </a:solidFill>
+                        <a:effectLst/>
+                        <a:latin typeface="Calibri" panose="020F0502020204030204" pitchFamily="34" charset="0"/>
+                      </a:endParaRPr>
+                    </a:p>
+                  </a:txBody>
+                  <a:tcPr marL="9525" marR="9525" marT="9525" marB="0" anchor="ctr"/>
+                </a:tc>
+                <a:tc>
+                  <a:txBody>
+                    <a:bodyPr/>
+                    <a:lstStyle/>
+                    <a:p>
+                      <a:pPr algn="ctr" fontAlgn="b"/>
+                      <a:endParaRPr lang="en-US" sz="1200" b="0" i="0" u="none" strike="noStrike">
+                        <a:solidFill>
+                          <a:srgbClr val="000000"/>
+                        </a:solidFill>
+                        <a:effectLst/>
+                        <a:latin typeface="Calibri" panose="020F0502020204030204" pitchFamily="34" charset="0"/>
+                      </a:endParaRPr>
+                    </a:p>
+                  </a:txBody>
+                  <a:tcPr marL="9525" marR="9525" marT="9525" marB="0" anchor="ctr"/>
+                </a:tc>
+                <a:tc>
+                  <a:txBody>
+                    <a:bodyPr/>
+                    <a:lstStyle/>
+                    <a:p>
+                      <a:pPr algn="ctr" fontAlgn="b"/>
+                      <a:endParaRPr lang="en-US" sz="1200" b="0" i="0" u="none" strike="noStrike">
+                        <a:solidFill>
+                          <a:srgbClr val="000000"/>
+                        </a:solidFill>
+                        <a:effectLst/>
+                        <a:latin typeface="Calibri" panose="020F0502020204030204" pitchFamily="34" charset="0"/>
+                      </a:endParaRPr>
+                    </a:p>
+                  </a:txBody>
+                  <a:tcPr marL="9525" marR="9525" marT="9525" marB="0" anchor="ctr"/>
+                </a:tc>
+                <a:tc>
+                  <a:txBody>
+                    <a:bodyPr/>
+                    <a:lstStyle/>
+                    <a:p>
+                      <a:pPr algn="ctr" fontAlgn="b"/>
+                      <a:endParaRPr lang="en-US" sz="1200" b="0" i="0" u="none" strike="noStrike">
+                        <a:solidFill>
+                          <a:srgbClr val="000000"/>
+                        </a:solidFill>
+                        <a:effectLst/>
+                        <a:latin typeface="Calibri" panose="020F0502020204030204" pitchFamily="34" charset="0"/>
+                      </a:endParaRPr>
+                    </a:p>
+                  </a:txBody>
+                  <a:tcPr marL="9525" marR="9525" marT="9525" marB="0" anchor="ctr"/>
+                </a:tc>
+                <a:tc>
+                  <a:txBody>
+                    <a:bodyPr/>
+                    <a:lstStyle/>
+                    <a:p>
+                      <a:pPr algn="ctr" fontAlgn="b"/>
+                      <a:endParaRPr lang="en-US" sz="1200" b="0" i="0" u="none" strike="noStrike">
+                        <a:solidFill>
+                          <a:srgbClr val="000000"/>
+                        </a:solidFill>
+                        <a:effectLst/>
+                        <a:latin typeface="Calibri" panose="020F0502020204030204" pitchFamily="34" charset="0"/>
+                      </a:endParaRPr>
+                    </a:p>
+                  </a:txBody>
+                  <a:tcPr marL="9525" marR="9525" marT="9525" marB="0" anchor="ctr"/>
+                </a:tc>
+                <a:tc>
+                  <a:txBody>
+                    <a:bodyPr/>
+                    <a:lstStyle/>
+                    <a:p>
+                      <a:pPr algn="ctr" fontAlgn="b"/>
+                      <a:endParaRPr lang="en-US" sz="1200" b="0" i="0" u="none" strike="noStrike" dirty="0">
+                        <a:solidFill>
+                          <a:srgbClr val="000000"/>
+                        </a:solidFill>
+                        <a:effectLst/>
+                        <a:latin typeface="Calibri" panose="020F0502020204030204" pitchFamily="34" charset="0"/>
+                      </a:endParaRPr>
+                    </a:p>
+                  </a:txBody>
+                  <a:tcPr marL="9525" marR="9525" marT="9525" marB="0" anchor="ctr"/>
+                </a:tc>
+                <a:extLst>
+                  <a:ext uri="{0D108BD9-81ED-4DB2-BD59-A6C34878D82A}">
+                    <a16:rowId xmlns:a16="http://schemas.microsoft.com/office/drawing/2014/main" val="3804727491"/>
+                  </a:ext>
+                </a:extLst>
+              </a:tr>
+              <a:tr h="0">
+                <a:tc>
+                  <a:txBody>
+                    <a:bodyPr/>
+                    <a:lstStyle/>
+                    <a:p>
+                      <a:pPr algn="ctr"/>
+                      <a:endParaRPr lang="en-US" sz="1200" dirty="0"/>
+                    </a:p>
+                  </a:txBody>
+                  <a:tcPr anchor="ctr"/>
+                </a:tc>
+                <a:tc>
+                  <a:txBody>
+                    <a:bodyPr/>
+                    <a:lstStyle/>
+                    <a:p>
+                      <a:pPr algn="ctr"/>
+                      <a:endParaRPr lang="en-US" sz="1200" dirty="0"/>
+                    </a:p>
+                  </a:txBody>
+                  <a:tcPr anchor="ctr"/>
+                </a:tc>
+                <a:tc>
+                  <a:txBody>
+                    <a:bodyPr/>
+                    <a:lstStyle/>
+                    <a:p>
+                      <a:pPr algn="ctr"/>
+                      <a:endParaRPr lang="en-US" sz="1200" dirty="0"/>
+                    </a:p>
+                  </a:txBody>
+                  <a:tcPr anchor="ctr"/>
+                </a:tc>
+                <a:tc>
+                  <a:txBody>
+                    <a:bodyPr/>
+                    <a:lstStyle/>
+                    <a:p>
+                      <a:pPr algn="ctr"/>
+                      <a:endParaRPr lang="en-US" sz="1200" dirty="0"/>
+                    </a:p>
+                  </a:txBody>
+                  <a:tcPr anchor="ctr"/>
+                </a:tc>
+                <a:tc>
+                  <a:txBody>
+                    <a:bodyPr/>
+                    <a:lstStyle/>
+                    <a:p>
+                      <a:pPr algn="ctr"/>
+                      <a:endParaRPr lang="en-US" sz="1200" dirty="0"/>
+                    </a:p>
+                  </a:txBody>
+                  <a:tcPr anchor="ctr"/>
+                </a:tc>
+                <a:tc>
+                  <a:txBody>
+                    <a:bodyPr/>
+                    <a:lstStyle/>
+                    <a:p>
+                      <a:pPr algn="ctr"/>
+                      <a:endParaRPr lang="en-US" sz="1200" dirty="0"/>
+                    </a:p>
+                  </a:txBody>
+                  <a:tcPr anchor="ctr"/>
+                </a:tc>
+                <a:extLst>
+                  <a:ext uri="{0D108BD9-81ED-4DB2-BD59-A6C34878D82A}">
+                    <a16:rowId xmlns:a16="http://schemas.microsoft.com/office/drawing/2014/main" val="1930423709"/>
+                  </a:ext>
+                </a:extLst>
+              </a:tr>
+            </a:tbl>
+          </a:graphicData>
+        </a:graphic>
+      </p:graphicFrame>
+      <p:graphicFrame>
+        <p:nvGraphicFramePr>
+          <p:cNvPr id="10" name="Table 9">
+            <a:extLst>
+              <a:ext uri="{FF2B5EF4-FFF2-40B4-BE49-F238E27FC236}">
+                <a16:creationId xmlns:a16="http://schemas.microsoft.com/office/drawing/2014/main" id="{8EC2E8EA-E45B-43B6-A9FC-F5542B942815}"/>
+              </a:ext>
+            </a:extLst>
+          </p:cNvPr>
+          <p:cNvGraphicFramePr>
+            <a:graphicFrameLocks noGrp="1"/>
+          </p:cNvGraphicFramePr>
+          <p:nvPr>
+            <p:extLst>
+              <p:ext uri="{D42A27DB-BD31-4B8C-83A1-F6EECF244321}">
+                <p14:modId xmlns:p14="http://schemas.microsoft.com/office/powerpoint/2010/main" val="3916903209"/>
+              </p:ext>
+            </p:extLst>
+          </p:nvPr>
+        </p:nvGraphicFramePr>
+        <p:xfrm>
+          <a:off x="3150853" y="4574325"/>
+          <a:ext cx="1590648" cy="1318260"/>
+        </p:xfrm>
+        <a:graphic>
+          <a:graphicData uri="http://schemas.openxmlformats.org/drawingml/2006/table">
+            <a:tbl>
+              <a:tblPr firstRow="1" bandRow="1">
+                <a:tableStyleId>{5940675A-B579-460E-94D1-54222C63F5DA}</a:tableStyleId>
+              </a:tblPr>
+              <a:tblGrid>
+                <a:gridCol w="265108">
+                  <a:extLst>
+                    <a:ext uri="{9D8B030D-6E8A-4147-A177-3AD203B41FA5}">
+                      <a16:colId xmlns:a16="http://schemas.microsoft.com/office/drawing/2014/main" val="9685845"/>
+                    </a:ext>
+                  </a:extLst>
+                </a:gridCol>
+                <a:gridCol w="265108">
+                  <a:extLst>
+                    <a:ext uri="{9D8B030D-6E8A-4147-A177-3AD203B41FA5}">
+                      <a16:colId xmlns:a16="http://schemas.microsoft.com/office/drawing/2014/main" val="1123352740"/>
+                    </a:ext>
+                  </a:extLst>
+                </a:gridCol>
+                <a:gridCol w="265108">
+                  <a:extLst>
+                    <a:ext uri="{9D8B030D-6E8A-4147-A177-3AD203B41FA5}">
+                      <a16:colId xmlns:a16="http://schemas.microsoft.com/office/drawing/2014/main" val="2347105825"/>
+                    </a:ext>
+                  </a:extLst>
+                </a:gridCol>
+                <a:gridCol w="265108">
+                  <a:extLst>
+                    <a:ext uri="{9D8B030D-6E8A-4147-A177-3AD203B41FA5}">
+                      <a16:colId xmlns:a16="http://schemas.microsoft.com/office/drawing/2014/main" val="1519326824"/>
+                    </a:ext>
+                  </a:extLst>
+                </a:gridCol>
+                <a:gridCol w="265108">
+                  <a:extLst>
+                    <a:ext uri="{9D8B030D-6E8A-4147-A177-3AD203B41FA5}">
+                      <a16:colId xmlns:a16="http://schemas.microsoft.com/office/drawing/2014/main" val="1278414429"/>
+                    </a:ext>
+                  </a:extLst>
+                </a:gridCol>
+                <a:gridCol w="265108">
+                  <a:extLst>
+                    <a:ext uri="{9D8B030D-6E8A-4147-A177-3AD203B41FA5}">
+                      <a16:colId xmlns:a16="http://schemas.microsoft.com/office/drawing/2014/main" val="2403359073"/>
+                    </a:ext>
+                  </a:extLst>
+                </a:gridCol>
+              </a:tblGrid>
+              <a:tr h="220911">
+                <a:tc>
+                  <a:txBody>
+                    <a:bodyPr/>
+                    <a:lstStyle/>
+                    <a:p>
+                      <a:pPr algn="ctr"/>
+                      <a:endParaRPr lang="en-US" sz="1200" dirty="0"/>
+                    </a:p>
+                  </a:txBody>
+                  <a:tcPr anchor="ctr"/>
+                </a:tc>
+                <a:tc>
+                  <a:txBody>
+                    <a:bodyPr/>
+                    <a:lstStyle/>
+                    <a:p>
+                      <a:pPr algn="ctr"/>
+                      <a:endParaRPr lang="en-US" sz="1200" dirty="0"/>
+                    </a:p>
+                  </a:txBody>
+                  <a:tcPr anchor="ctr"/>
+                </a:tc>
+                <a:tc>
+                  <a:txBody>
+                    <a:bodyPr/>
+                    <a:lstStyle/>
+                    <a:p>
+                      <a:pPr algn="ctr"/>
+                      <a:endParaRPr lang="en-US" sz="1200" dirty="0"/>
+                    </a:p>
+                  </a:txBody>
+                  <a:tcPr anchor="ctr"/>
+                </a:tc>
+                <a:tc>
+                  <a:txBody>
+                    <a:bodyPr/>
+                    <a:lstStyle/>
+                    <a:p>
+                      <a:pPr algn="ctr"/>
+                      <a:endParaRPr lang="en-US" sz="1200" dirty="0"/>
+                    </a:p>
+                  </a:txBody>
+                  <a:tcPr anchor="ctr"/>
+                </a:tc>
+                <a:tc>
+                  <a:txBody>
+                    <a:bodyPr/>
+                    <a:lstStyle/>
+                    <a:p>
+                      <a:pPr algn="ctr"/>
+                      <a:endParaRPr lang="en-US" sz="1200" dirty="0"/>
+                    </a:p>
+                  </a:txBody>
+                  <a:tcPr anchor="ctr"/>
+                </a:tc>
+                <a:tc>
+                  <a:txBody>
+                    <a:bodyPr/>
+                    <a:lstStyle/>
+                    <a:p>
+                      <a:pPr algn="ctr"/>
+                      <a:endParaRPr lang="en-US" sz="1200" dirty="0"/>
+                    </a:p>
+                  </a:txBody>
+                  <a:tcPr anchor="ctr"/>
+                </a:tc>
+                <a:extLst>
+                  <a:ext uri="{0D108BD9-81ED-4DB2-BD59-A6C34878D82A}">
+                    <a16:rowId xmlns:a16="http://schemas.microsoft.com/office/drawing/2014/main" val="1596250214"/>
+                  </a:ext>
+                </a:extLst>
+              </a:tr>
+              <a:tr h="159648">
+                <a:tc>
+                  <a:txBody>
+                    <a:bodyPr/>
+                    <a:lstStyle/>
+                    <a:p>
+                      <a:pPr algn="ctr" fontAlgn="b"/>
+                      <a:endParaRPr lang="en-US" sz="1200" b="0" i="0" u="none" strike="noStrike">
+                        <a:solidFill>
+                          <a:srgbClr val="000000"/>
+                        </a:solidFill>
+                        <a:effectLst/>
+                        <a:latin typeface="Calibri" panose="020F0502020204030204" pitchFamily="34" charset="0"/>
+                      </a:endParaRPr>
+                    </a:p>
+                  </a:txBody>
+                  <a:tcPr marL="9525" marR="9525" marT="9525" marB="0" anchor="ctr"/>
+                </a:tc>
+                <a:tc>
+                  <a:txBody>
+                    <a:bodyPr/>
+                    <a:lstStyle/>
+                    <a:p>
+                      <a:pPr algn="ctr" fontAlgn="b"/>
+                      <a:endParaRPr lang="en-US" sz="1200" b="0" i="0" u="none" strike="noStrike" dirty="0">
+                        <a:solidFill>
+                          <a:srgbClr val="000000"/>
+                        </a:solidFill>
+                        <a:effectLst/>
+                        <a:latin typeface="Calibri" panose="020F0502020204030204" pitchFamily="34" charset="0"/>
+                      </a:endParaRPr>
+                    </a:p>
+                  </a:txBody>
+                  <a:tcPr marL="9525" marR="9525" marT="9525" marB="0" anchor="ctr"/>
+                </a:tc>
+                <a:tc>
+                  <a:txBody>
+                    <a:bodyPr/>
+                    <a:lstStyle/>
+                    <a:p>
+                      <a:pPr algn="ctr" fontAlgn="b"/>
+                      <a:endParaRPr lang="en-US" sz="1200" b="0" i="0" u="none" strike="noStrike">
+                        <a:solidFill>
+                          <a:srgbClr val="000000"/>
+                        </a:solidFill>
+                        <a:effectLst/>
+                        <a:latin typeface="Calibri" panose="020F0502020204030204" pitchFamily="34" charset="0"/>
+                      </a:endParaRPr>
+                    </a:p>
+                  </a:txBody>
+                  <a:tcPr marL="9525" marR="9525" marT="9525" marB="0" anchor="ctr"/>
+                </a:tc>
+                <a:tc>
+                  <a:txBody>
+                    <a:bodyPr/>
+                    <a:lstStyle/>
+                    <a:p>
+                      <a:pPr algn="ctr" fontAlgn="b"/>
+                      <a:endParaRPr lang="en-US" sz="1200" b="0" i="0" u="none" strike="noStrike">
+                        <a:solidFill>
+                          <a:srgbClr val="000000"/>
+                        </a:solidFill>
+                        <a:effectLst/>
+                        <a:latin typeface="Calibri" panose="020F0502020204030204" pitchFamily="34" charset="0"/>
+                      </a:endParaRPr>
+                    </a:p>
+                  </a:txBody>
+                  <a:tcPr marL="9525" marR="9525" marT="9525" marB="0" anchor="ctr"/>
+                </a:tc>
+                <a:tc>
+                  <a:txBody>
+                    <a:bodyPr/>
+                    <a:lstStyle/>
+                    <a:p>
+                      <a:pPr algn="ctr" fontAlgn="b"/>
+                      <a:endParaRPr lang="en-US" sz="1200" b="0" i="0" u="none" strike="noStrike">
+                        <a:solidFill>
+                          <a:srgbClr val="000000"/>
+                        </a:solidFill>
+                        <a:effectLst/>
+                        <a:latin typeface="Calibri" panose="020F0502020204030204" pitchFamily="34" charset="0"/>
+                      </a:endParaRPr>
+                    </a:p>
+                  </a:txBody>
+                  <a:tcPr marL="9525" marR="9525" marT="9525" marB="0" anchor="ctr"/>
+                </a:tc>
+                <a:tc>
+                  <a:txBody>
+                    <a:bodyPr/>
+                    <a:lstStyle/>
+                    <a:p>
+                      <a:pPr algn="ctr" fontAlgn="b"/>
+                      <a:endParaRPr lang="en-US" sz="1200" b="0" i="0" u="none" strike="noStrike" dirty="0">
+                        <a:solidFill>
+                          <a:srgbClr val="000000"/>
+                        </a:solidFill>
+                        <a:effectLst/>
+                        <a:latin typeface="Calibri" panose="020F0502020204030204" pitchFamily="34" charset="0"/>
+                      </a:endParaRPr>
+                    </a:p>
+                  </a:txBody>
+                  <a:tcPr marL="9525" marR="9525" marT="9525" marB="0" anchor="ctr"/>
+                </a:tc>
+                <a:extLst>
+                  <a:ext uri="{0D108BD9-81ED-4DB2-BD59-A6C34878D82A}">
+                    <a16:rowId xmlns:a16="http://schemas.microsoft.com/office/drawing/2014/main" val="3598227286"/>
+                  </a:ext>
+                </a:extLst>
+              </a:tr>
+              <a:tr h="159648">
+                <a:tc>
+                  <a:txBody>
+                    <a:bodyPr/>
+                    <a:lstStyle/>
+                    <a:p>
+                      <a:pPr algn="ctr" fontAlgn="b"/>
+                      <a:endParaRPr lang="en-US" sz="1200" b="0" i="0" u="none" strike="noStrike">
+                        <a:solidFill>
+                          <a:srgbClr val="000000"/>
+                        </a:solidFill>
+                        <a:effectLst/>
+                        <a:latin typeface="Calibri" panose="020F0502020204030204" pitchFamily="34" charset="0"/>
+                      </a:endParaRPr>
+                    </a:p>
+                  </a:txBody>
+                  <a:tcPr marL="9525" marR="9525" marT="9525" marB="0" anchor="ctr"/>
+                </a:tc>
+                <a:tc>
+                  <a:txBody>
+                    <a:bodyPr/>
+                    <a:lstStyle/>
+                    <a:p>
+                      <a:pPr algn="ctr" fontAlgn="b"/>
+                      <a:endParaRPr lang="en-US" sz="1200" b="0" i="0" u="none" strike="noStrike">
+                        <a:solidFill>
+                          <a:srgbClr val="000000"/>
+                        </a:solidFill>
+                        <a:effectLst/>
+                        <a:latin typeface="Calibri" panose="020F0502020204030204" pitchFamily="34" charset="0"/>
+                      </a:endParaRPr>
+                    </a:p>
+                  </a:txBody>
+                  <a:tcPr marL="9525" marR="9525" marT="9525" marB="0" anchor="ctr"/>
+                </a:tc>
+                <a:tc>
+                  <a:txBody>
+                    <a:bodyPr/>
+                    <a:lstStyle/>
+                    <a:p>
+                      <a:pPr algn="ctr" fontAlgn="b"/>
+                      <a:endParaRPr lang="en-US" sz="1200" b="0" i="0" u="none" strike="noStrike">
+                        <a:solidFill>
+                          <a:srgbClr val="000000"/>
+                        </a:solidFill>
+                        <a:effectLst/>
+                        <a:latin typeface="Calibri" panose="020F0502020204030204" pitchFamily="34" charset="0"/>
+                      </a:endParaRPr>
+                    </a:p>
+                  </a:txBody>
+                  <a:tcPr marL="9525" marR="9525" marT="9525" marB="0" anchor="ctr"/>
+                </a:tc>
+                <a:tc>
+                  <a:txBody>
+                    <a:bodyPr/>
+                    <a:lstStyle/>
+                    <a:p>
+                      <a:pPr algn="ctr" fontAlgn="b"/>
+                      <a:endParaRPr lang="en-US" sz="1200" b="0" i="0" u="none" strike="noStrike">
+                        <a:solidFill>
+                          <a:srgbClr val="000000"/>
+                        </a:solidFill>
+                        <a:effectLst/>
+                        <a:latin typeface="Calibri" panose="020F0502020204030204" pitchFamily="34" charset="0"/>
+                      </a:endParaRPr>
+                    </a:p>
+                  </a:txBody>
+                  <a:tcPr marL="9525" marR="9525" marT="9525" marB="0" anchor="ctr"/>
+                </a:tc>
+                <a:tc>
+                  <a:txBody>
+                    <a:bodyPr/>
+                    <a:lstStyle/>
+                    <a:p>
+                      <a:pPr algn="ctr" fontAlgn="b"/>
+                      <a:endParaRPr lang="en-US" sz="1200" b="0" i="0" u="none" strike="noStrike">
+                        <a:solidFill>
+                          <a:srgbClr val="000000"/>
+                        </a:solidFill>
+                        <a:effectLst/>
+                        <a:latin typeface="Calibri" panose="020F0502020204030204" pitchFamily="34" charset="0"/>
+                      </a:endParaRPr>
+                    </a:p>
+                  </a:txBody>
+                  <a:tcPr marL="9525" marR="9525" marT="9525" marB="0" anchor="ctr"/>
+                </a:tc>
+                <a:tc>
+                  <a:txBody>
+                    <a:bodyPr/>
+                    <a:lstStyle/>
+                    <a:p>
+                      <a:pPr algn="ctr" fontAlgn="b"/>
+                      <a:endParaRPr lang="en-US" sz="1200" b="0" i="0" u="none" strike="noStrike" dirty="0">
+                        <a:solidFill>
+                          <a:srgbClr val="000000"/>
+                        </a:solidFill>
+                        <a:effectLst/>
+                        <a:latin typeface="Calibri" panose="020F0502020204030204" pitchFamily="34" charset="0"/>
+                      </a:endParaRPr>
+                    </a:p>
+                  </a:txBody>
+                  <a:tcPr marL="9525" marR="9525" marT="9525" marB="0" anchor="ctr"/>
+                </a:tc>
+                <a:extLst>
+                  <a:ext uri="{0D108BD9-81ED-4DB2-BD59-A6C34878D82A}">
+                    <a16:rowId xmlns:a16="http://schemas.microsoft.com/office/drawing/2014/main" val="1687032631"/>
+                  </a:ext>
+                </a:extLst>
+              </a:tr>
+              <a:tr h="159648">
+                <a:tc>
+                  <a:txBody>
+                    <a:bodyPr/>
+                    <a:lstStyle/>
+                    <a:p>
+                      <a:pPr algn="ctr" fontAlgn="b"/>
+                      <a:endParaRPr lang="en-US" sz="1200" b="0" i="0" u="none" strike="noStrike">
+                        <a:solidFill>
+                          <a:srgbClr val="000000"/>
+                        </a:solidFill>
+                        <a:effectLst/>
+                        <a:latin typeface="Calibri" panose="020F0502020204030204" pitchFamily="34" charset="0"/>
+                      </a:endParaRPr>
+                    </a:p>
+                  </a:txBody>
+                  <a:tcPr marL="9525" marR="9525" marT="9525" marB="0" anchor="ctr"/>
+                </a:tc>
+                <a:tc>
+                  <a:txBody>
+                    <a:bodyPr/>
+                    <a:lstStyle/>
+                    <a:p>
+                      <a:pPr algn="ctr" fontAlgn="b"/>
+                      <a:endParaRPr lang="en-US" sz="1200" b="0" i="0" u="none" strike="noStrike">
+                        <a:solidFill>
+                          <a:srgbClr val="000000"/>
+                        </a:solidFill>
+                        <a:effectLst/>
+                        <a:latin typeface="Calibri" panose="020F0502020204030204" pitchFamily="34" charset="0"/>
+                      </a:endParaRPr>
+                    </a:p>
+                  </a:txBody>
+                  <a:tcPr marL="9525" marR="9525" marT="9525" marB="0" anchor="ctr"/>
+                </a:tc>
+                <a:tc>
+                  <a:txBody>
+                    <a:bodyPr/>
+                    <a:lstStyle/>
+                    <a:p>
+                      <a:pPr algn="ctr" fontAlgn="b"/>
+                      <a:endParaRPr lang="en-US" sz="1200" b="0" i="0" u="none" strike="noStrike">
+                        <a:solidFill>
+                          <a:srgbClr val="000000"/>
+                        </a:solidFill>
+                        <a:effectLst/>
+                        <a:latin typeface="Calibri" panose="020F0502020204030204" pitchFamily="34" charset="0"/>
+                      </a:endParaRPr>
+                    </a:p>
+                  </a:txBody>
+                  <a:tcPr marL="9525" marR="9525" marT="9525" marB="0" anchor="ctr"/>
+                </a:tc>
+                <a:tc>
+                  <a:txBody>
+                    <a:bodyPr/>
+                    <a:lstStyle/>
+                    <a:p>
+                      <a:pPr algn="ctr" fontAlgn="b"/>
+                      <a:endParaRPr lang="en-US" sz="1200" b="0" i="0" u="none" strike="noStrike">
+                        <a:solidFill>
+                          <a:srgbClr val="000000"/>
+                        </a:solidFill>
+                        <a:effectLst/>
+                        <a:latin typeface="Calibri" panose="020F0502020204030204" pitchFamily="34" charset="0"/>
+                      </a:endParaRPr>
+                    </a:p>
+                  </a:txBody>
+                  <a:tcPr marL="9525" marR="9525" marT="9525" marB="0" anchor="ctr"/>
+                </a:tc>
+                <a:tc>
+                  <a:txBody>
+                    <a:bodyPr/>
+                    <a:lstStyle/>
+                    <a:p>
+                      <a:pPr algn="ctr" fontAlgn="b"/>
+                      <a:endParaRPr lang="en-US" sz="1200" b="0" i="0" u="none" strike="noStrike">
+                        <a:solidFill>
+                          <a:srgbClr val="000000"/>
+                        </a:solidFill>
+                        <a:effectLst/>
+                        <a:latin typeface="Calibri" panose="020F0502020204030204" pitchFamily="34" charset="0"/>
+                      </a:endParaRPr>
+                    </a:p>
+                  </a:txBody>
+                  <a:tcPr marL="9525" marR="9525" marT="9525" marB="0" anchor="ctr"/>
+                </a:tc>
+                <a:tc>
+                  <a:txBody>
+                    <a:bodyPr/>
+                    <a:lstStyle/>
+                    <a:p>
+                      <a:pPr algn="ctr" fontAlgn="b"/>
+                      <a:endParaRPr lang="en-US" sz="1200" b="0" i="0" u="none" strike="noStrike" dirty="0">
+                        <a:solidFill>
+                          <a:srgbClr val="000000"/>
+                        </a:solidFill>
+                        <a:effectLst/>
+                        <a:latin typeface="Calibri" panose="020F0502020204030204" pitchFamily="34" charset="0"/>
+                      </a:endParaRPr>
+                    </a:p>
+                  </a:txBody>
+                  <a:tcPr marL="9525" marR="9525" marT="9525" marB="0" anchor="ctr"/>
+                </a:tc>
+                <a:extLst>
+                  <a:ext uri="{0D108BD9-81ED-4DB2-BD59-A6C34878D82A}">
+                    <a16:rowId xmlns:a16="http://schemas.microsoft.com/office/drawing/2014/main" val="107048520"/>
+                  </a:ext>
+                </a:extLst>
+              </a:tr>
+              <a:tr h="159648">
+                <a:tc>
+                  <a:txBody>
+                    <a:bodyPr/>
+                    <a:lstStyle/>
+                    <a:p>
+                      <a:pPr algn="ctr" fontAlgn="b"/>
+                      <a:endParaRPr lang="en-US" sz="1200" b="0" i="0" u="none" strike="noStrike">
+                        <a:solidFill>
+                          <a:srgbClr val="000000"/>
+                        </a:solidFill>
+                        <a:effectLst/>
+                        <a:latin typeface="Calibri" panose="020F0502020204030204" pitchFamily="34" charset="0"/>
+                      </a:endParaRPr>
+                    </a:p>
+                  </a:txBody>
+                  <a:tcPr marL="9525" marR="9525" marT="9525" marB="0" anchor="ctr"/>
+                </a:tc>
+                <a:tc>
+                  <a:txBody>
+                    <a:bodyPr/>
+                    <a:lstStyle/>
+                    <a:p>
+                      <a:pPr algn="ctr" fontAlgn="b"/>
+                      <a:endParaRPr lang="en-US" sz="1200" b="0" i="0" u="none" strike="noStrike">
+                        <a:solidFill>
+                          <a:srgbClr val="000000"/>
+                        </a:solidFill>
+                        <a:effectLst/>
+                        <a:latin typeface="Calibri" panose="020F0502020204030204" pitchFamily="34" charset="0"/>
+                      </a:endParaRPr>
+                    </a:p>
+                  </a:txBody>
+                  <a:tcPr marL="9525" marR="9525" marT="9525" marB="0" anchor="ctr"/>
+                </a:tc>
+                <a:tc>
+                  <a:txBody>
+                    <a:bodyPr/>
+                    <a:lstStyle/>
+                    <a:p>
+                      <a:pPr algn="ctr" fontAlgn="b"/>
+                      <a:endParaRPr lang="en-US" sz="1200" b="0" i="0" u="none" strike="noStrike">
+                        <a:solidFill>
+                          <a:srgbClr val="000000"/>
+                        </a:solidFill>
+                        <a:effectLst/>
+                        <a:latin typeface="Calibri" panose="020F0502020204030204" pitchFamily="34" charset="0"/>
+                      </a:endParaRPr>
+                    </a:p>
+                  </a:txBody>
+                  <a:tcPr marL="9525" marR="9525" marT="9525" marB="0" anchor="ctr"/>
+                </a:tc>
+                <a:tc>
+                  <a:txBody>
+                    <a:bodyPr/>
+                    <a:lstStyle/>
+                    <a:p>
+                      <a:pPr algn="ctr" fontAlgn="b"/>
+                      <a:endParaRPr lang="en-US" sz="1200" b="0" i="0" u="none" strike="noStrike">
+                        <a:solidFill>
+                          <a:srgbClr val="000000"/>
+                        </a:solidFill>
+                        <a:effectLst/>
+                        <a:latin typeface="Calibri" panose="020F0502020204030204" pitchFamily="34" charset="0"/>
+                      </a:endParaRPr>
+                    </a:p>
+                  </a:txBody>
+                  <a:tcPr marL="9525" marR="9525" marT="9525" marB="0" anchor="ctr"/>
+                </a:tc>
+                <a:tc>
+                  <a:txBody>
+                    <a:bodyPr/>
+                    <a:lstStyle/>
+                    <a:p>
+                      <a:pPr algn="ctr" fontAlgn="b"/>
+                      <a:endParaRPr lang="en-US" sz="1200" b="0" i="0" u="none" strike="noStrike">
+                        <a:solidFill>
+                          <a:srgbClr val="000000"/>
+                        </a:solidFill>
+                        <a:effectLst/>
+                        <a:latin typeface="Calibri" panose="020F0502020204030204" pitchFamily="34" charset="0"/>
+                      </a:endParaRPr>
+                    </a:p>
+                  </a:txBody>
+                  <a:tcPr marL="9525" marR="9525" marT="9525" marB="0" anchor="ctr"/>
+                </a:tc>
+                <a:tc>
+                  <a:txBody>
+                    <a:bodyPr/>
+                    <a:lstStyle/>
+                    <a:p>
+                      <a:pPr algn="ctr" fontAlgn="b"/>
+                      <a:endParaRPr lang="en-US" sz="1200" b="0" i="0" u="none" strike="noStrike" dirty="0">
+                        <a:solidFill>
+                          <a:srgbClr val="000000"/>
+                        </a:solidFill>
+                        <a:effectLst/>
+                        <a:latin typeface="Calibri" panose="020F0502020204030204" pitchFamily="34" charset="0"/>
+                      </a:endParaRPr>
+                    </a:p>
+                  </a:txBody>
+                  <a:tcPr marL="9525" marR="9525" marT="9525" marB="0" anchor="ctr"/>
+                </a:tc>
+                <a:extLst>
+                  <a:ext uri="{0D108BD9-81ED-4DB2-BD59-A6C34878D82A}">
+                    <a16:rowId xmlns:a16="http://schemas.microsoft.com/office/drawing/2014/main" val="3804727491"/>
+                  </a:ext>
+                </a:extLst>
+              </a:tr>
+              <a:tr h="0">
+                <a:tc>
+                  <a:txBody>
+                    <a:bodyPr/>
+                    <a:lstStyle/>
+                    <a:p>
+                      <a:pPr algn="ctr"/>
+                      <a:endParaRPr lang="en-US" sz="1200" dirty="0"/>
+                    </a:p>
+                  </a:txBody>
+                  <a:tcPr anchor="ctr"/>
+                </a:tc>
+                <a:tc>
+                  <a:txBody>
+                    <a:bodyPr/>
+                    <a:lstStyle/>
+                    <a:p>
+                      <a:pPr algn="ctr"/>
+                      <a:endParaRPr lang="en-US" sz="1200" dirty="0"/>
+                    </a:p>
+                  </a:txBody>
+                  <a:tcPr anchor="ctr"/>
+                </a:tc>
+                <a:tc>
+                  <a:txBody>
+                    <a:bodyPr/>
+                    <a:lstStyle/>
+                    <a:p>
+                      <a:pPr algn="ctr"/>
+                      <a:endParaRPr lang="en-US" sz="1200" dirty="0"/>
+                    </a:p>
+                  </a:txBody>
+                  <a:tcPr anchor="ctr"/>
+                </a:tc>
+                <a:tc>
+                  <a:txBody>
+                    <a:bodyPr/>
+                    <a:lstStyle/>
+                    <a:p>
+                      <a:pPr algn="ctr"/>
+                      <a:endParaRPr lang="en-US" sz="1200" dirty="0"/>
+                    </a:p>
+                  </a:txBody>
+                  <a:tcPr anchor="ctr"/>
+                </a:tc>
+                <a:tc>
+                  <a:txBody>
+                    <a:bodyPr/>
+                    <a:lstStyle/>
+                    <a:p>
+                      <a:pPr algn="ctr"/>
+                      <a:endParaRPr lang="en-US" sz="1200" dirty="0"/>
+                    </a:p>
+                  </a:txBody>
+                  <a:tcPr anchor="ctr"/>
+                </a:tc>
+                <a:tc>
+                  <a:txBody>
+                    <a:bodyPr/>
+                    <a:lstStyle/>
+                    <a:p>
+                      <a:pPr algn="ctr"/>
+                      <a:endParaRPr lang="en-US" sz="1200" dirty="0"/>
+                    </a:p>
+                  </a:txBody>
+                  <a:tcPr anchor="ctr"/>
+                </a:tc>
+                <a:extLst>
+                  <a:ext uri="{0D108BD9-81ED-4DB2-BD59-A6C34878D82A}">
+                    <a16:rowId xmlns:a16="http://schemas.microsoft.com/office/drawing/2014/main" val="1930423709"/>
+                  </a:ext>
+                </a:extLst>
+              </a:tr>
+            </a:tbl>
+          </a:graphicData>
+        </a:graphic>
+      </p:graphicFrame>
+      <p:sp>
+        <p:nvSpPr>
+          <p:cNvPr id="11" name="TextBox 10">
+            <a:extLst>
+              <a:ext uri="{FF2B5EF4-FFF2-40B4-BE49-F238E27FC236}">
+                <a16:creationId xmlns:a16="http://schemas.microsoft.com/office/drawing/2014/main" id="{7C27F0E2-0D47-4E51-960C-4E5F59935DBD}"/>
+              </a:ext>
+            </a:extLst>
+          </p:cNvPr>
+          <p:cNvSpPr txBox="1"/>
+          <p:nvPr/>
+        </p:nvSpPr>
+        <p:spPr>
+          <a:xfrm>
+            <a:off x="3078680" y="4185558"/>
+            <a:ext cx="2314414" cy="369332"/>
+          </a:xfrm>
+          <a:prstGeom prst="rect">
+            <a:avLst/>
+          </a:prstGeom>
+          <a:noFill/>
+        </p:spPr>
+        <p:txBody>
+          <a:bodyPr wrap="square" rtlCol="0">
+            <a:spAutoFit/>
+          </a:bodyPr>
+          <a:lstStyle/>
+          <a:p>
+            <a:r>
+              <a:rPr lang="en-US" dirty="0"/>
+              <a:t>Days before Sale Data</a:t>
+            </a:r>
+          </a:p>
+        </p:txBody>
+      </p:sp>
+      <p:sp>
+        <p:nvSpPr>
+          <p:cNvPr id="12" name="TextBox 11">
+            <a:extLst>
+              <a:ext uri="{FF2B5EF4-FFF2-40B4-BE49-F238E27FC236}">
+                <a16:creationId xmlns:a16="http://schemas.microsoft.com/office/drawing/2014/main" id="{5C7B578E-04E1-4FA5-9F38-AC8BA8A5BE2B}"/>
+              </a:ext>
+            </a:extLst>
+          </p:cNvPr>
+          <p:cNvSpPr txBox="1"/>
+          <p:nvPr/>
+        </p:nvSpPr>
+        <p:spPr>
+          <a:xfrm>
+            <a:off x="278041" y="4185558"/>
+            <a:ext cx="2800640" cy="369332"/>
+          </a:xfrm>
+          <a:prstGeom prst="rect">
+            <a:avLst/>
+          </a:prstGeom>
+          <a:noFill/>
+        </p:spPr>
+        <p:txBody>
+          <a:bodyPr wrap="square" rtlCol="0">
+            <a:spAutoFit/>
+          </a:bodyPr>
+          <a:lstStyle/>
+          <a:p>
+            <a:r>
+              <a:rPr lang="en-US" dirty="0"/>
+              <a:t>Sales Data</a:t>
+            </a:r>
+          </a:p>
+        </p:txBody>
+      </p:sp>
+      <p:sp>
+        <p:nvSpPr>
+          <p:cNvPr id="8" name="Arrow: Right 7">
+            <a:extLst>
+              <a:ext uri="{FF2B5EF4-FFF2-40B4-BE49-F238E27FC236}">
+                <a16:creationId xmlns:a16="http://schemas.microsoft.com/office/drawing/2014/main" id="{C7637C7C-C261-4F9F-845C-A32101A69909}"/>
+              </a:ext>
+            </a:extLst>
+          </p:cNvPr>
+          <p:cNvSpPr/>
+          <p:nvPr/>
+        </p:nvSpPr>
+        <p:spPr>
+          <a:xfrm>
+            <a:off x="6201433" y="2288078"/>
+            <a:ext cx="978408" cy="484632"/>
+          </a:xfrm>
+          <a:prstGeom prst="rightArrow">
+            <a:avLst/>
+          </a:prstGeom>
+        </p:spPr>
+        <p:style>
+          <a:lnRef idx="2">
+            <a:schemeClr val="accent1">
+              <a:shade val="50000"/>
+            </a:schemeClr>
+          </a:lnRef>
+          <a:fillRef idx="1">
+            <a:schemeClr val="accent1"/>
+          </a:fillRef>
+          <a:effectRef idx="0">
+            <a:schemeClr val="accent1"/>
+          </a:effectRef>
+          <a:fontRef idx="minor">
+            <a:schemeClr val="lt1"/>
+          </a:fontRef>
+        </p:style>
+        <p:txBody>
+          <a:bodyPr rtlCol="0" anchor="ctr"/>
+          <a:lstStyle/>
+          <a:p>
+            <a:pPr algn="ctr"/>
+            <a:endParaRPr lang="en-US"/>
+          </a:p>
+        </p:txBody>
+      </p:sp>
+      <p:graphicFrame>
+        <p:nvGraphicFramePr>
+          <p:cNvPr id="15" name="Table 14">
+            <a:extLst>
+              <a:ext uri="{FF2B5EF4-FFF2-40B4-BE49-F238E27FC236}">
+                <a16:creationId xmlns:a16="http://schemas.microsoft.com/office/drawing/2014/main" id="{79DBCCA3-E0C0-440D-AF02-70AA600210F2}"/>
+              </a:ext>
+            </a:extLst>
+          </p:cNvPr>
+          <p:cNvGraphicFramePr>
+            <a:graphicFrameLocks noGrp="1"/>
+          </p:cNvGraphicFramePr>
+          <p:nvPr>
+            <p:extLst>
+              <p:ext uri="{D42A27DB-BD31-4B8C-83A1-F6EECF244321}">
+                <p14:modId xmlns:p14="http://schemas.microsoft.com/office/powerpoint/2010/main" val="1600459498"/>
+              </p:ext>
+            </p:extLst>
+          </p:nvPr>
+        </p:nvGraphicFramePr>
+        <p:xfrm>
+          <a:off x="7837039" y="952543"/>
+          <a:ext cx="4151298" cy="4494100"/>
+        </p:xfrm>
+        <a:graphic>
+          <a:graphicData uri="http://schemas.openxmlformats.org/drawingml/2006/table">
+            <a:tbl>
+              <a:tblPr firstRow="1" bandRow="1">
+                <a:tableStyleId>{5940675A-B579-460E-94D1-54222C63F5DA}</a:tableStyleId>
+              </a:tblPr>
+              <a:tblGrid>
+                <a:gridCol w="691883">
+                  <a:extLst>
+                    <a:ext uri="{9D8B030D-6E8A-4147-A177-3AD203B41FA5}">
+                      <a16:colId xmlns:a16="http://schemas.microsoft.com/office/drawing/2014/main" val="9685845"/>
+                    </a:ext>
+                  </a:extLst>
+                </a:gridCol>
+                <a:gridCol w="691883">
+                  <a:extLst>
+                    <a:ext uri="{9D8B030D-6E8A-4147-A177-3AD203B41FA5}">
+                      <a16:colId xmlns:a16="http://schemas.microsoft.com/office/drawing/2014/main" val="1123352740"/>
+                    </a:ext>
+                  </a:extLst>
+                </a:gridCol>
+                <a:gridCol w="691883">
+                  <a:extLst>
+                    <a:ext uri="{9D8B030D-6E8A-4147-A177-3AD203B41FA5}">
+                      <a16:colId xmlns:a16="http://schemas.microsoft.com/office/drawing/2014/main" val="2347105825"/>
+                    </a:ext>
+                  </a:extLst>
+                </a:gridCol>
+                <a:gridCol w="691883">
+                  <a:extLst>
+                    <a:ext uri="{9D8B030D-6E8A-4147-A177-3AD203B41FA5}">
+                      <a16:colId xmlns:a16="http://schemas.microsoft.com/office/drawing/2014/main" val="1519326824"/>
+                    </a:ext>
+                  </a:extLst>
+                </a:gridCol>
+                <a:gridCol w="691883">
+                  <a:extLst>
+                    <a:ext uri="{9D8B030D-6E8A-4147-A177-3AD203B41FA5}">
+                      <a16:colId xmlns:a16="http://schemas.microsoft.com/office/drawing/2014/main" val="1278414429"/>
+                    </a:ext>
+                  </a:extLst>
+                </a:gridCol>
+                <a:gridCol w="691883">
+                  <a:extLst>
+                    <a:ext uri="{9D8B030D-6E8A-4147-A177-3AD203B41FA5}">
+                      <a16:colId xmlns:a16="http://schemas.microsoft.com/office/drawing/2014/main" val="2403359073"/>
+                    </a:ext>
+                  </a:extLst>
+                </a:gridCol>
+              </a:tblGrid>
+              <a:tr h="1004002">
+                <a:tc>
+                  <a:txBody>
+                    <a:bodyPr/>
+                    <a:lstStyle/>
+                    <a:p>
+                      <a:pPr algn="ctr"/>
+                      <a:r>
+                        <a:rPr lang="en-US" sz="1200" dirty="0"/>
+                        <a:t>Date</a:t>
+                      </a:r>
+                    </a:p>
+                  </a:txBody>
+                  <a:tcPr anchor="ctr"/>
+                </a:tc>
+                <a:tc>
+                  <a:txBody>
+                    <a:bodyPr/>
+                    <a:lstStyle/>
+                    <a:p>
+                      <a:pPr algn="ctr"/>
+                      <a:r>
+                        <a:rPr lang="en-US" sz="1200" dirty="0"/>
+                        <a:t>Wake County Price</a:t>
+                      </a:r>
+                    </a:p>
+                  </a:txBody>
+                  <a:tcPr anchor="ctr"/>
+                </a:tc>
+                <a:tc>
+                  <a:txBody>
+                    <a:bodyPr/>
+                    <a:lstStyle/>
+                    <a:p>
+                      <a:pPr algn="ctr"/>
+                      <a:r>
+                        <a:rPr lang="en-US" sz="1200" dirty="0"/>
+                        <a:t>Wake County Sales</a:t>
+                      </a:r>
+                    </a:p>
+                  </a:txBody>
+                  <a:tcPr anchor="ctr"/>
+                </a:tc>
+                <a:tc>
+                  <a:txBody>
+                    <a:bodyPr/>
+                    <a:lstStyle/>
+                    <a:p>
+                      <a:pPr algn="ctr"/>
+                      <a:r>
+                        <a:rPr lang="en-US" sz="1200" dirty="0"/>
+                        <a:t>Wake County Days</a:t>
+                      </a:r>
+                    </a:p>
+                  </a:txBody>
+                  <a:tcPr anchor="ctr"/>
+                </a:tc>
+                <a:tc>
+                  <a:txBody>
+                    <a:bodyPr/>
+                    <a:lstStyle/>
+                    <a:p>
+                      <a:pPr algn="ctr"/>
+                      <a:r>
+                        <a:rPr lang="en-US" sz="1200" dirty="0"/>
+                        <a:t>Durham County Price</a:t>
+                      </a:r>
+                    </a:p>
+                  </a:txBody>
+                  <a:tcPr anchor="ctr"/>
+                </a:tc>
+                <a:tc>
+                  <a:txBody>
+                    <a:bodyPr/>
+                    <a:lstStyle/>
+                    <a:p>
+                      <a:pPr algn="ctr"/>
+                      <a:r>
+                        <a:rPr lang="en-US" sz="1200" dirty="0"/>
+                        <a:t>…</a:t>
+                      </a:r>
+                    </a:p>
+                  </a:txBody>
+                  <a:tcPr anchor="ctr"/>
+                </a:tc>
+                <a:extLst>
+                  <a:ext uri="{0D108BD9-81ED-4DB2-BD59-A6C34878D82A}">
+                    <a16:rowId xmlns:a16="http://schemas.microsoft.com/office/drawing/2014/main" val="1596250214"/>
+                  </a:ext>
+                </a:extLst>
+              </a:tr>
+              <a:tr h="581683">
+                <a:tc>
+                  <a:txBody>
+                    <a:bodyPr/>
+                    <a:lstStyle/>
+                    <a:p>
+                      <a:pPr algn="ctr" fontAlgn="b"/>
+                      <a:r>
+                        <a:rPr lang="en-US" sz="1200" b="0" i="0" u="none" strike="noStrike" dirty="0">
+                          <a:solidFill>
+                            <a:srgbClr val="000000"/>
+                          </a:solidFill>
+                          <a:effectLst/>
+                          <a:latin typeface="Calibri" panose="020F0502020204030204" pitchFamily="34" charset="0"/>
+                        </a:rPr>
+                        <a:t>2010-01</a:t>
+                      </a:r>
+                    </a:p>
+                  </a:txBody>
+                  <a:tcPr marL="9525" marR="9525" marT="9525" marB="0" anchor="ctr"/>
+                </a:tc>
+                <a:tc>
+                  <a:txBody>
+                    <a:bodyPr/>
+                    <a:lstStyle/>
+                    <a:p>
+                      <a:pPr algn="ctr" fontAlgn="b"/>
+                      <a:r>
+                        <a:rPr lang="en-US" sz="1100" b="0" i="0" u="none" strike="noStrike">
+                          <a:solidFill>
+                            <a:srgbClr val="000000"/>
+                          </a:solidFill>
+                          <a:effectLst/>
+                          <a:latin typeface="Calibri" panose="020F0502020204030204" pitchFamily="34" charset="0"/>
+                        </a:rPr>
+                        <a:t>248000</a:t>
+                      </a:r>
+                    </a:p>
+                  </a:txBody>
+                  <a:tcPr marL="9525" marR="9525" marT="9525" marB="0" anchor="ctr"/>
+                </a:tc>
+                <a:tc>
+                  <a:txBody>
+                    <a:bodyPr/>
+                    <a:lstStyle/>
+                    <a:p>
+                      <a:pPr algn="ctr" fontAlgn="b"/>
+                      <a:r>
+                        <a:rPr lang="en-US" sz="1100" b="0" i="0" u="none" strike="noStrike">
+                          <a:solidFill>
+                            <a:srgbClr val="000000"/>
+                          </a:solidFill>
+                          <a:effectLst/>
+                          <a:latin typeface="Calibri" panose="020F0502020204030204" pitchFamily="34" charset="0"/>
+                        </a:rPr>
+                        <a:t>657</a:t>
+                      </a:r>
+                    </a:p>
+                  </a:txBody>
+                  <a:tcPr marL="9525" marR="9525" marT="9525" marB="0" anchor="ctr"/>
+                </a:tc>
+                <a:tc>
+                  <a:txBody>
+                    <a:bodyPr/>
+                    <a:lstStyle/>
+                    <a:p>
+                      <a:pPr algn="ctr" fontAlgn="b"/>
+                      <a:r>
+                        <a:rPr lang="en-US" sz="1100" b="0" i="0" u="none" strike="noStrike">
+                          <a:solidFill>
+                            <a:srgbClr val="000000"/>
+                          </a:solidFill>
+                          <a:effectLst/>
+                          <a:latin typeface="Calibri" panose="020F0502020204030204" pitchFamily="34" charset="0"/>
+                        </a:rPr>
+                        <a:t>185</a:t>
+                      </a:r>
+                    </a:p>
+                  </a:txBody>
+                  <a:tcPr marL="9525" marR="9525" marT="9525" marB="0" anchor="ctr"/>
+                </a:tc>
+                <a:tc>
+                  <a:txBody>
+                    <a:bodyPr/>
+                    <a:lstStyle/>
+                    <a:p>
+                      <a:pPr algn="ctr" fontAlgn="b"/>
+                      <a:r>
+                        <a:rPr lang="en-US" sz="1100" b="0" i="0" u="none" strike="noStrike">
+                          <a:solidFill>
+                            <a:srgbClr val="000000"/>
+                          </a:solidFill>
+                          <a:effectLst/>
+                          <a:latin typeface="Calibri" panose="020F0502020204030204" pitchFamily="34" charset="0"/>
+                        </a:rPr>
+                        <a:t>178440</a:t>
+                      </a:r>
+                    </a:p>
+                  </a:txBody>
+                  <a:tcPr marL="9525" marR="9525" marT="9525" marB="0" anchor="ctr"/>
+                </a:tc>
+                <a:tc>
+                  <a:txBody>
+                    <a:bodyPr/>
+                    <a:lstStyle/>
+                    <a:p>
+                      <a:pPr algn="ctr" fontAlgn="b"/>
+                      <a:r>
+                        <a:rPr lang="en-US" sz="1200" b="0" i="0" u="none" strike="noStrike" dirty="0">
+                          <a:solidFill>
+                            <a:srgbClr val="000000"/>
+                          </a:solidFill>
+                          <a:effectLst/>
+                          <a:latin typeface="Calibri" panose="020F0502020204030204" pitchFamily="34" charset="0"/>
+                        </a:rPr>
+                        <a:t>…</a:t>
+                      </a:r>
+                    </a:p>
+                  </a:txBody>
+                  <a:tcPr marL="9525" marR="9525" marT="9525" marB="0" anchor="ctr"/>
+                </a:tc>
+                <a:extLst>
+                  <a:ext uri="{0D108BD9-81ED-4DB2-BD59-A6C34878D82A}">
+                    <a16:rowId xmlns:a16="http://schemas.microsoft.com/office/drawing/2014/main" val="3598227286"/>
+                  </a:ext>
+                </a:extLst>
+              </a:tr>
+              <a:tr h="581683">
+                <a:tc>
+                  <a:txBody>
+                    <a:bodyPr/>
+                    <a:lstStyle/>
+                    <a:p>
+                      <a:pPr algn="ctr" fontAlgn="b"/>
+                      <a:r>
+                        <a:rPr lang="en-US" sz="1200" b="0" i="0" u="none" strike="noStrike" dirty="0">
+                          <a:solidFill>
+                            <a:srgbClr val="000000"/>
+                          </a:solidFill>
+                          <a:effectLst/>
+                          <a:latin typeface="Calibri" panose="020F0502020204030204" pitchFamily="34" charset="0"/>
+                        </a:rPr>
+                        <a:t>2010-02</a:t>
+                      </a:r>
+                    </a:p>
+                  </a:txBody>
+                  <a:tcPr marL="9525" marR="9525" marT="9525" marB="0" anchor="ctr"/>
+                </a:tc>
+                <a:tc>
+                  <a:txBody>
+                    <a:bodyPr/>
+                    <a:lstStyle/>
+                    <a:p>
+                      <a:pPr algn="ctr" fontAlgn="b"/>
+                      <a:r>
+                        <a:rPr lang="en-US" sz="1100" b="0" i="0" u="none" strike="noStrike">
+                          <a:solidFill>
+                            <a:srgbClr val="000000"/>
+                          </a:solidFill>
+                          <a:effectLst/>
+                          <a:latin typeface="Calibri" panose="020F0502020204030204" pitchFamily="34" charset="0"/>
+                        </a:rPr>
+                        <a:t>245000</a:t>
+                      </a:r>
+                    </a:p>
+                  </a:txBody>
+                  <a:tcPr marL="9525" marR="9525" marT="9525" marB="0" anchor="ctr"/>
+                </a:tc>
+                <a:tc>
+                  <a:txBody>
+                    <a:bodyPr/>
+                    <a:lstStyle/>
+                    <a:p>
+                      <a:pPr algn="ctr" fontAlgn="b"/>
+                      <a:r>
+                        <a:rPr lang="en-US" sz="1100" b="0" i="0" u="none" strike="noStrike">
+                          <a:solidFill>
+                            <a:srgbClr val="000000"/>
+                          </a:solidFill>
+                          <a:effectLst/>
+                          <a:latin typeface="Calibri" panose="020F0502020204030204" pitchFamily="34" charset="0"/>
+                        </a:rPr>
+                        <a:t>713</a:t>
+                      </a:r>
+                    </a:p>
+                  </a:txBody>
+                  <a:tcPr marL="9525" marR="9525" marT="9525" marB="0" anchor="ctr"/>
+                </a:tc>
+                <a:tc>
+                  <a:txBody>
+                    <a:bodyPr/>
+                    <a:lstStyle/>
+                    <a:p>
+                      <a:pPr algn="ctr" fontAlgn="b"/>
+                      <a:r>
+                        <a:rPr lang="en-US" sz="1100" b="0" i="0" u="none" strike="noStrike">
+                          <a:solidFill>
+                            <a:srgbClr val="000000"/>
+                          </a:solidFill>
+                          <a:effectLst/>
+                          <a:latin typeface="Calibri" panose="020F0502020204030204" pitchFamily="34" charset="0"/>
+                        </a:rPr>
+                        <a:t>169</a:t>
+                      </a:r>
+                    </a:p>
+                  </a:txBody>
+                  <a:tcPr marL="9525" marR="9525" marT="9525" marB="0" anchor="ctr"/>
+                </a:tc>
+                <a:tc>
+                  <a:txBody>
+                    <a:bodyPr/>
+                    <a:lstStyle/>
+                    <a:p>
+                      <a:pPr algn="ctr" fontAlgn="b"/>
+                      <a:r>
+                        <a:rPr lang="en-US" sz="1100" b="0" i="0" u="none" strike="noStrike">
+                          <a:solidFill>
+                            <a:srgbClr val="000000"/>
+                          </a:solidFill>
+                          <a:effectLst/>
+                          <a:latin typeface="Calibri" panose="020F0502020204030204" pitchFamily="34" charset="0"/>
+                        </a:rPr>
+                        <a:t>179900</a:t>
+                      </a:r>
+                    </a:p>
+                  </a:txBody>
+                  <a:tcPr marL="9525" marR="9525" marT="9525" marB="0" anchor="ctr"/>
+                </a:tc>
+                <a:tc>
+                  <a:txBody>
+                    <a:bodyPr/>
+                    <a:lstStyle/>
+                    <a:p>
+                      <a:pPr algn="ctr" fontAlgn="b"/>
+                      <a:r>
+                        <a:rPr lang="en-US" sz="1200" b="0" i="0" u="none" strike="noStrike" dirty="0">
+                          <a:solidFill>
+                            <a:srgbClr val="000000"/>
+                          </a:solidFill>
+                          <a:effectLst/>
+                          <a:latin typeface="Calibri" panose="020F0502020204030204" pitchFamily="34" charset="0"/>
+                        </a:rPr>
+                        <a:t>…</a:t>
+                      </a:r>
+                    </a:p>
+                  </a:txBody>
+                  <a:tcPr marL="9525" marR="9525" marT="9525" marB="0" anchor="ctr"/>
+                </a:tc>
+                <a:extLst>
+                  <a:ext uri="{0D108BD9-81ED-4DB2-BD59-A6C34878D82A}">
+                    <a16:rowId xmlns:a16="http://schemas.microsoft.com/office/drawing/2014/main" val="1687032631"/>
+                  </a:ext>
+                </a:extLst>
+              </a:tr>
+              <a:tr h="581683">
+                <a:tc>
+                  <a:txBody>
+                    <a:bodyPr/>
+                    <a:lstStyle/>
+                    <a:p>
+                      <a:pPr algn="ctr" fontAlgn="b"/>
+                      <a:r>
+                        <a:rPr lang="en-US" sz="1200" b="0" i="0" u="none" strike="noStrike" dirty="0">
+                          <a:solidFill>
+                            <a:srgbClr val="000000"/>
+                          </a:solidFill>
+                          <a:effectLst/>
+                          <a:latin typeface="Calibri" panose="020F0502020204030204" pitchFamily="34" charset="0"/>
+                        </a:rPr>
+                        <a:t>2010-03</a:t>
+                      </a:r>
+                    </a:p>
+                  </a:txBody>
+                  <a:tcPr marL="9525" marR="9525" marT="9525" marB="0" anchor="ctr"/>
+                </a:tc>
+                <a:tc>
+                  <a:txBody>
+                    <a:bodyPr/>
+                    <a:lstStyle/>
+                    <a:p>
+                      <a:pPr algn="ctr" fontAlgn="b"/>
+                      <a:r>
+                        <a:rPr lang="en-US" sz="1100" b="0" i="0" u="none" strike="noStrike">
+                          <a:solidFill>
+                            <a:srgbClr val="000000"/>
+                          </a:solidFill>
+                          <a:effectLst/>
+                          <a:latin typeface="Calibri" panose="020F0502020204030204" pitchFamily="34" charset="0"/>
+                        </a:rPr>
+                        <a:t>239900</a:t>
+                      </a:r>
+                    </a:p>
+                  </a:txBody>
+                  <a:tcPr marL="9525" marR="9525" marT="9525" marB="0" anchor="ctr"/>
+                </a:tc>
+                <a:tc>
+                  <a:txBody>
+                    <a:bodyPr/>
+                    <a:lstStyle/>
+                    <a:p>
+                      <a:pPr algn="ctr" fontAlgn="b"/>
+                      <a:r>
+                        <a:rPr lang="en-US" sz="1100" b="0" i="0" u="none" strike="noStrike">
+                          <a:solidFill>
+                            <a:srgbClr val="000000"/>
+                          </a:solidFill>
+                          <a:effectLst/>
+                          <a:latin typeface="Calibri" panose="020F0502020204030204" pitchFamily="34" charset="0"/>
+                        </a:rPr>
+                        <a:t>1108</a:t>
+                      </a:r>
+                    </a:p>
+                  </a:txBody>
+                  <a:tcPr marL="9525" marR="9525" marT="9525" marB="0" anchor="ctr"/>
+                </a:tc>
+                <a:tc>
+                  <a:txBody>
+                    <a:bodyPr/>
+                    <a:lstStyle/>
+                    <a:p>
+                      <a:pPr algn="ctr" fontAlgn="b"/>
+                      <a:r>
+                        <a:rPr lang="en-US" sz="1100" b="0" i="0" u="none" strike="noStrike">
+                          <a:solidFill>
+                            <a:srgbClr val="000000"/>
+                          </a:solidFill>
+                          <a:effectLst/>
+                          <a:latin typeface="Calibri" panose="020F0502020204030204" pitchFamily="34" charset="0"/>
+                        </a:rPr>
+                        <a:t>156</a:t>
+                      </a:r>
+                    </a:p>
+                  </a:txBody>
+                  <a:tcPr marL="9525" marR="9525" marT="9525" marB="0" anchor="ctr"/>
+                </a:tc>
+                <a:tc>
+                  <a:txBody>
+                    <a:bodyPr/>
+                    <a:lstStyle/>
+                    <a:p>
+                      <a:pPr algn="ctr" fontAlgn="b"/>
+                      <a:r>
+                        <a:rPr lang="en-US" sz="1100" b="0" i="0" u="none" strike="noStrike">
+                          <a:solidFill>
+                            <a:srgbClr val="000000"/>
+                          </a:solidFill>
+                          <a:effectLst/>
+                          <a:latin typeface="Calibri" panose="020F0502020204030204" pitchFamily="34" charset="0"/>
+                        </a:rPr>
+                        <a:t>185000</a:t>
+                      </a:r>
+                    </a:p>
+                  </a:txBody>
+                  <a:tcPr marL="9525" marR="9525" marT="9525" marB="0" anchor="ctr"/>
+                </a:tc>
+                <a:tc>
+                  <a:txBody>
+                    <a:bodyPr/>
+                    <a:lstStyle/>
+                    <a:p>
+                      <a:pPr algn="ctr" fontAlgn="b"/>
+                      <a:r>
+                        <a:rPr lang="en-US" sz="1200" b="0" i="0" u="none" strike="noStrike" dirty="0">
+                          <a:solidFill>
+                            <a:srgbClr val="000000"/>
+                          </a:solidFill>
+                          <a:effectLst/>
+                          <a:latin typeface="Calibri" panose="020F0502020204030204" pitchFamily="34" charset="0"/>
+                        </a:rPr>
+                        <a:t>…</a:t>
+                      </a:r>
+                    </a:p>
+                  </a:txBody>
+                  <a:tcPr marL="9525" marR="9525" marT="9525" marB="0" anchor="ctr"/>
+                </a:tc>
+                <a:extLst>
+                  <a:ext uri="{0D108BD9-81ED-4DB2-BD59-A6C34878D82A}">
+                    <a16:rowId xmlns:a16="http://schemas.microsoft.com/office/drawing/2014/main" val="107048520"/>
+                  </a:ext>
+                </a:extLst>
+              </a:tr>
+              <a:tr h="581683">
+                <a:tc>
+                  <a:txBody>
+                    <a:bodyPr/>
+                    <a:lstStyle/>
+                    <a:p>
+                      <a:pPr algn="ctr" fontAlgn="b"/>
+                      <a:r>
+                        <a:rPr lang="en-US" sz="1200" b="0" i="0" u="none" strike="noStrike" dirty="0">
+                          <a:solidFill>
+                            <a:srgbClr val="000000"/>
+                          </a:solidFill>
+                          <a:effectLst/>
+                          <a:latin typeface="Calibri" panose="020F0502020204030204" pitchFamily="34" charset="0"/>
+                        </a:rPr>
+                        <a:t>2010-04</a:t>
+                      </a:r>
+                    </a:p>
+                  </a:txBody>
+                  <a:tcPr marL="9525" marR="9525" marT="9525" marB="0" anchor="ctr"/>
+                </a:tc>
+                <a:tc>
+                  <a:txBody>
+                    <a:bodyPr/>
+                    <a:lstStyle/>
+                    <a:p>
+                      <a:pPr algn="ctr" fontAlgn="b"/>
+                      <a:r>
+                        <a:rPr lang="en-US" sz="1100" b="0" i="0" u="none" strike="noStrike">
+                          <a:solidFill>
+                            <a:srgbClr val="000000"/>
+                          </a:solidFill>
+                          <a:effectLst/>
+                          <a:latin typeface="Calibri" panose="020F0502020204030204" pitchFamily="34" charset="0"/>
+                        </a:rPr>
+                        <a:t>239999</a:t>
+                      </a:r>
+                    </a:p>
+                  </a:txBody>
+                  <a:tcPr marL="9525" marR="9525" marT="9525" marB="0" anchor="ctr"/>
+                </a:tc>
+                <a:tc>
+                  <a:txBody>
+                    <a:bodyPr/>
+                    <a:lstStyle/>
+                    <a:p>
+                      <a:pPr algn="ctr" fontAlgn="b"/>
+                      <a:r>
+                        <a:rPr lang="en-US" sz="1100" b="0" i="0" u="none" strike="noStrike">
+                          <a:solidFill>
+                            <a:srgbClr val="000000"/>
+                          </a:solidFill>
+                          <a:effectLst/>
+                          <a:latin typeface="Calibri" panose="020F0502020204030204" pitchFamily="34" charset="0"/>
+                        </a:rPr>
+                        <a:t>1376</a:t>
+                      </a:r>
+                    </a:p>
+                  </a:txBody>
+                  <a:tcPr marL="9525" marR="9525" marT="9525" marB="0" anchor="ctr"/>
+                </a:tc>
+                <a:tc>
+                  <a:txBody>
+                    <a:bodyPr/>
+                    <a:lstStyle/>
+                    <a:p>
+                      <a:pPr algn="ctr" fontAlgn="b"/>
+                      <a:r>
+                        <a:rPr lang="en-US" sz="1100" b="0" i="0" u="none" strike="noStrike">
+                          <a:solidFill>
+                            <a:srgbClr val="000000"/>
+                          </a:solidFill>
+                          <a:effectLst/>
+                          <a:latin typeface="Calibri" panose="020F0502020204030204" pitchFamily="34" charset="0"/>
+                        </a:rPr>
+                        <a:t>158</a:t>
+                      </a:r>
+                    </a:p>
+                  </a:txBody>
+                  <a:tcPr marL="9525" marR="9525" marT="9525" marB="0" anchor="ctr"/>
+                </a:tc>
+                <a:tc>
+                  <a:txBody>
+                    <a:bodyPr/>
+                    <a:lstStyle/>
+                    <a:p>
+                      <a:pPr algn="ctr" fontAlgn="b"/>
+                      <a:r>
+                        <a:rPr lang="en-US" sz="1100" b="0" i="0" u="none" strike="noStrike">
+                          <a:solidFill>
+                            <a:srgbClr val="000000"/>
+                          </a:solidFill>
+                          <a:effectLst/>
+                          <a:latin typeface="Calibri" panose="020F0502020204030204" pitchFamily="34" charset="0"/>
+                        </a:rPr>
+                        <a:t>184900</a:t>
+                      </a:r>
+                    </a:p>
+                  </a:txBody>
+                  <a:tcPr marL="9525" marR="9525" marT="9525" marB="0" anchor="ctr"/>
+                </a:tc>
+                <a:tc>
+                  <a:txBody>
+                    <a:bodyPr/>
+                    <a:lstStyle/>
+                    <a:p>
+                      <a:pPr algn="ctr" fontAlgn="b"/>
+                      <a:r>
+                        <a:rPr lang="en-US" sz="1200" b="0" i="0" u="none" strike="noStrike" dirty="0">
+                          <a:solidFill>
+                            <a:srgbClr val="000000"/>
+                          </a:solidFill>
+                          <a:effectLst/>
+                          <a:latin typeface="Calibri" panose="020F0502020204030204" pitchFamily="34" charset="0"/>
+                        </a:rPr>
+                        <a:t>…</a:t>
+                      </a:r>
+                    </a:p>
+                  </a:txBody>
+                  <a:tcPr marL="9525" marR="9525" marT="9525" marB="0" anchor="ctr"/>
+                </a:tc>
+                <a:extLst>
+                  <a:ext uri="{0D108BD9-81ED-4DB2-BD59-A6C34878D82A}">
+                    <a16:rowId xmlns:a16="http://schemas.microsoft.com/office/drawing/2014/main" val="3804727491"/>
+                  </a:ext>
+                </a:extLst>
+              </a:tr>
+              <a:tr h="581683">
+                <a:tc>
+                  <a:txBody>
+                    <a:bodyPr/>
+                    <a:lstStyle/>
+                    <a:p>
+                      <a:pPr algn="ctr"/>
+                      <a:r>
+                        <a:rPr lang="en-US" sz="1200" dirty="0"/>
+                        <a:t>2010-05</a:t>
+                      </a:r>
+                    </a:p>
+                  </a:txBody>
+                  <a:tcPr anchor="ctr"/>
+                </a:tc>
+                <a:tc>
+                  <a:txBody>
+                    <a:bodyPr/>
+                    <a:lstStyle/>
+                    <a:p>
+                      <a:pPr algn="ctr" fontAlgn="b"/>
+                      <a:r>
+                        <a:rPr lang="en-US" sz="1100" b="0" i="0" u="none" strike="noStrike" dirty="0">
+                          <a:solidFill>
+                            <a:srgbClr val="000000"/>
+                          </a:solidFill>
+                          <a:effectLst/>
+                          <a:latin typeface="Calibri" panose="020F0502020204030204" pitchFamily="34" charset="0"/>
+                        </a:rPr>
+                        <a:t>244900</a:t>
+                      </a:r>
+                    </a:p>
+                  </a:txBody>
+                  <a:tcPr marL="9525" marR="9525" marT="9525" marB="0" anchor="ctr"/>
+                </a:tc>
+                <a:tc>
+                  <a:txBody>
+                    <a:bodyPr/>
+                    <a:lstStyle/>
+                    <a:p>
+                      <a:pPr algn="ctr" fontAlgn="b"/>
+                      <a:r>
+                        <a:rPr lang="en-US" sz="1100" b="0" i="0" u="none" strike="noStrike" dirty="0">
+                          <a:solidFill>
+                            <a:srgbClr val="000000"/>
+                          </a:solidFill>
+                          <a:effectLst/>
+                          <a:latin typeface="Calibri" panose="020F0502020204030204" pitchFamily="34" charset="0"/>
+                        </a:rPr>
+                        <a:t>1400</a:t>
+                      </a:r>
+                    </a:p>
+                  </a:txBody>
+                  <a:tcPr marL="9525" marR="9525" marT="9525" marB="0" anchor="ctr"/>
+                </a:tc>
+                <a:tc>
+                  <a:txBody>
+                    <a:bodyPr/>
+                    <a:lstStyle/>
+                    <a:p>
+                      <a:pPr algn="ctr" fontAlgn="b"/>
+                      <a:r>
+                        <a:rPr lang="en-US" sz="1100" b="0" i="0" u="none" strike="noStrike" dirty="0">
+                          <a:solidFill>
+                            <a:srgbClr val="000000"/>
+                          </a:solidFill>
+                          <a:effectLst/>
+                          <a:latin typeface="Calibri" panose="020F0502020204030204" pitchFamily="34" charset="0"/>
+                        </a:rPr>
+                        <a:t>157</a:t>
+                      </a:r>
+                    </a:p>
+                  </a:txBody>
+                  <a:tcPr marL="9525" marR="9525" marT="9525" marB="0" anchor="ctr"/>
+                </a:tc>
+                <a:tc>
+                  <a:txBody>
+                    <a:bodyPr/>
+                    <a:lstStyle/>
+                    <a:p>
+                      <a:pPr algn="ctr" fontAlgn="b"/>
+                      <a:r>
+                        <a:rPr lang="en-US" sz="1100" b="0" i="0" u="none" strike="noStrike" dirty="0">
+                          <a:solidFill>
+                            <a:srgbClr val="000000"/>
+                          </a:solidFill>
+                          <a:effectLst/>
+                          <a:latin typeface="Calibri" panose="020F0502020204030204" pitchFamily="34" charset="0"/>
+                        </a:rPr>
+                        <a:t>182000</a:t>
+                      </a:r>
+                    </a:p>
+                  </a:txBody>
+                  <a:tcPr marL="9525" marR="9525" marT="9525" marB="0" anchor="ctr"/>
+                </a:tc>
+                <a:tc>
+                  <a:txBody>
+                    <a:bodyPr/>
+                    <a:lstStyle/>
+                    <a:p>
+                      <a:pPr algn="ctr"/>
+                      <a:endParaRPr lang="en-US" sz="1200" dirty="0"/>
+                    </a:p>
+                  </a:txBody>
+                  <a:tcPr anchor="ctr"/>
+                </a:tc>
+                <a:extLst>
+                  <a:ext uri="{0D108BD9-81ED-4DB2-BD59-A6C34878D82A}">
+                    <a16:rowId xmlns:a16="http://schemas.microsoft.com/office/drawing/2014/main" val="318925021"/>
+                  </a:ext>
+                </a:extLst>
+              </a:tr>
+              <a:tr h="581683">
+                <a:tc>
+                  <a:txBody>
+                    <a:bodyPr/>
+                    <a:lstStyle/>
+                    <a:p>
+                      <a:pPr algn="ctr"/>
+                      <a:r>
+                        <a:rPr lang="en-US" sz="1200" dirty="0"/>
+                        <a:t>…</a:t>
+                      </a:r>
+                    </a:p>
+                  </a:txBody>
+                  <a:tcPr anchor="ctr"/>
+                </a:tc>
+                <a:tc>
+                  <a:txBody>
+                    <a:bodyPr/>
+                    <a:lstStyle/>
+                    <a:p>
+                      <a:pPr algn="ctr"/>
+                      <a:r>
+                        <a:rPr lang="en-US" sz="1200" dirty="0"/>
+                        <a:t>…</a:t>
+                      </a:r>
+                    </a:p>
+                  </a:txBody>
+                  <a:tcPr anchor="ctr"/>
+                </a:tc>
+                <a:tc>
+                  <a:txBody>
+                    <a:bodyPr/>
+                    <a:lstStyle/>
+                    <a:p>
+                      <a:pPr algn="ctr"/>
+                      <a:r>
+                        <a:rPr lang="en-US" sz="1200" dirty="0"/>
+                        <a:t>…</a:t>
+                      </a:r>
+                    </a:p>
+                  </a:txBody>
+                  <a:tcPr anchor="ctr"/>
+                </a:tc>
+                <a:tc>
+                  <a:txBody>
+                    <a:bodyPr/>
+                    <a:lstStyle/>
+                    <a:p>
+                      <a:pPr algn="ctr"/>
+                      <a:r>
+                        <a:rPr lang="en-US" sz="1200" dirty="0"/>
+                        <a:t>...</a:t>
+                      </a:r>
+                    </a:p>
+                  </a:txBody>
+                  <a:tcPr anchor="ctr"/>
+                </a:tc>
+                <a:tc>
+                  <a:txBody>
+                    <a:bodyPr/>
+                    <a:lstStyle/>
+                    <a:p>
+                      <a:pPr algn="ctr"/>
+                      <a:r>
+                        <a:rPr lang="en-US" sz="1200" dirty="0"/>
+                        <a:t>...</a:t>
+                      </a:r>
+                    </a:p>
+                  </a:txBody>
+                  <a:tcPr anchor="ctr"/>
+                </a:tc>
+                <a:tc>
+                  <a:txBody>
+                    <a:bodyPr/>
+                    <a:lstStyle/>
+                    <a:p>
+                      <a:pPr algn="ctr"/>
+                      <a:r>
+                        <a:rPr lang="en-US" sz="1200" dirty="0"/>
+                        <a:t>…</a:t>
+                      </a:r>
+                    </a:p>
+                  </a:txBody>
+                  <a:tcPr anchor="ctr"/>
+                </a:tc>
+                <a:extLst>
+                  <a:ext uri="{0D108BD9-81ED-4DB2-BD59-A6C34878D82A}">
+                    <a16:rowId xmlns:a16="http://schemas.microsoft.com/office/drawing/2014/main" val="1930423709"/>
+                  </a:ext>
+                </a:extLst>
+              </a:tr>
+            </a:tbl>
+          </a:graphicData>
+        </a:graphic>
+      </p:graphicFrame>
+      <p:sp>
+        <p:nvSpPr>
+          <p:cNvPr id="17" name="TextBox 16">
+            <a:extLst>
+              <a:ext uri="{FF2B5EF4-FFF2-40B4-BE49-F238E27FC236}">
+                <a16:creationId xmlns:a16="http://schemas.microsoft.com/office/drawing/2014/main" id="{A2C30278-1416-4B0D-A68B-7372222E8C90}"/>
+              </a:ext>
+            </a:extLst>
+          </p:cNvPr>
+          <p:cNvSpPr txBox="1"/>
+          <p:nvPr/>
+        </p:nvSpPr>
+        <p:spPr>
+          <a:xfrm>
+            <a:off x="7765763" y="557563"/>
+            <a:ext cx="4018327" cy="369332"/>
+          </a:xfrm>
+          <a:prstGeom prst="rect">
+            <a:avLst/>
+          </a:prstGeom>
+          <a:noFill/>
+        </p:spPr>
+        <p:txBody>
+          <a:bodyPr wrap="square" rtlCol="0">
+            <a:spAutoFit/>
+          </a:bodyPr>
+          <a:lstStyle/>
+          <a:p>
+            <a:r>
+              <a:rPr lang="en-US" dirty="0"/>
+              <a:t>Final Cleaned File</a:t>
+            </a:r>
+          </a:p>
+        </p:txBody>
+      </p:sp>
+    </p:spTree>
+    <p:extLst>
+      <p:ext uri="{BB962C8B-B14F-4D97-AF65-F5344CB8AC3E}">
+        <p14:creationId xmlns:p14="http://schemas.microsoft.com/office/powerpoint/2010/main" val="1417314639"/>
+      </p:ext>
+    </p:extLst>
+  </p:cSld>
+  <p:clrMapOvr>
+    <a:masterClrMapping/>
+  </p:clrMapOvr>
+</p:sld>
+</file>
+
+<file path=ppt/slides/slide2.xml><?xml version="1.0" encoding="utf-8"?>
+<p:sld xmlns:a="http://schemas.openxmlformats.org/drawingml/2006/main" xmlns:r="http://schemas.openxmlformats.org/officeDocument/2006/relationships" xmlns:p="http://schemas.openxmlformats.org/presentationml/2006/main">
+  <p:cSld>
+    <p:spTree>
+      <p:nvGrpSpPr>
+        <p:cNvPr id="1" name=""/>
+        <p:cNvGrpSpPr/>
+        <p:nvPr/>
+      </p:nvGrpSpPr>
+      <p:grpSpPr>
+        <a:xfrm>
+          <a:off x="0" y="0"/>
+          <a:ext cx="0" cy="0"/>
+          <a:chOff x="0" y="0"/>
+          <a:chExt cx="0" cy="0"/>
+        </a:xfrm>
+      </p:grpSpPr>
+      <p:pic>
+        <p:nvPicPr>
+          <p:cNvPr id="1030" name="Picture 6">
+            <a:extLst>
+              <a:ext uri="{FF2B5EF4-FFF2-40B4-BE49-F238E27FC236}">
+                <a16:creationId xmlns:a16="http://schemas.microsoft.com/office/drawing/2014/main" id="{E6E9CC20-FC2F-4CC9-8B35-22A72E87CBBD}"/>
+              </a:ext>
+            </a:extLst>
+          </p:cNvPr>
+          <p:cNvPicPr>
+            <a:picLocks noChangeAspect="1" noChangeArrowheads="1"/>
+          </p:cNvPicPr>
+          <p:nvPr/>
+        </p:nvPicPr>
+        <p:blipFill>
+          <a:blip r:embed="rId2">
+            <a:extLst>
+              <a:ext uri="{28A0092B-C50C-407E-A947-70E740481C1C}">
+                <a14:useLocalDpi xmlns:a14="http://schemas.microsoft.com/office/drawing/2010/main" val="0"/>
+              </a:ext>
+            </a:extLst>
+          </a:blip>
+          <a:srcRect/>
+          <a:stretch>
+            <a:fillRect/>
+          </a:stretch>
+        </p:blipFill>
+        <p:spPr bwMode="auto">
+          <a:xfrm>
+            <a:off x="461963" y="209550"/>
+            <a:ext cx="11268075" cy="6438900"/>
           </a:xfrm>
           <a:prstGeom prst="rect">
             <a:avLst/>
@@ -3390,7 +7177,161 @@
 </p:sld>
 </file>
 
-<file path=ppt/slides/slide2.xml><?xml version="1.0" encoding="utf-8"?>
+<file path=ppt/slides/slide3.xml><?xml version="1.0" encoding="utf-8"?>
+<p:sld xmlns:a="http://schemas.openxmlformats.org/drawingml/2006/main" xmlns:r="http://schemas.openxmlformats.org/officeDocument/2006/relationships" xmlns:p="http://schemas.openxmlformats.org/presentationml/2006/main">
+  <p:cSld>
+    <p:spTree>
+      <p:nvGrpSpPr>
+        <p:cNvPr id="1" name=""/>
+        <p:cNvGrpSpPr/>
+        <p:nvPr/>
+      </p:nvGrpSpPr>
+      <p:grpSpPr>
+        <a:xfrm>
+          <a:off x="0" y="0"/>
+          <a:ext cx="0" cy="0"/>
+          <a:chOff x="0" y="0"/>
+          <a:chExt cx="0" cy="0"/>
+        </a:xfrm>
+      </p:grpSpPr>
+      <p:pic>
+        <p:nvPicPr>
+          <p:cNvPr id="2052" name="Picture 4">
+            <a:extLst>
+              <a:ext uri="{FF2B5EF4-FFF2-40B4-BE49-F238E27FC236}">
+                <a16:creationId xmlns:a16="http://schemas.microsoft.com/office/drawing/2014/main" id="{0328DA82-2B8B-42FD-827B-45CF37AA0FBB}"/>
+              </a:ext>
+            </a:extLst>
+          </p:cNvPr>
+          <p:cNvPicPr>
+            <a:picLocks noChangeAspect="1" noChangeArrowheads="1"/>
+          </p:cNvPicPr>
+          <p:nvPr/>
+        </p:nvPicPr>
+        <p:blipFill>
+          <a:blip r:embed="rId2">
+            <a:extLst>
+              <a:ext uri="{28A0092B-C50C-407E-A947-70E740481C1C}">
+                <a14:useLocalDpi xmlns:a14="http://schemas.microsoft.com/office/drawing/2010/main" val="0"/>
+              </a:ext>
+            </a:extLst>
+          </a:blip>
+          <a:srcRect/>
+          <a:stretch>
+            <a:fillRect/>
+          </a:stretch>
+        </p:blipFill>
+        <p:spPr bwMode="auto">
+          <a:xfrm>
+            <a:off x="461963" y="209550"/>
+            <a:ext cx="11268075" cy="6438900"/>
+          </a:xfrm>
+          <a:prstGeom prst="rect">
+            <a:avLst/>
+          </a:prstGeom>
+          <a:noFill/>
+          <a:extLst>
+            <a:ext uri="{909E8E84-426E-40DD-AFC4-6F175D3DCCD1}">
+              <a14:hiddenFill xmlns:a14="http://schemas.microsoft.com/office/drawing/2010/main">
+                <a:solidFill>
+                  <a:srgbClr val="FFFFFF"/>
+                </a:solidFill>
+              </a14:hiddenFill>
+            </a:ext>
+          </a:extLst>
+        </p:spPr>
+      </p:pic>
+    </p:spTree>
+    <p:extLst>
+      <p:ext uri="{BB962C8B-B14F-4D97-AF65-F5344CB8AC3E}">
+        <p14:creationId xmlns:p14="http://schemas.microsoft.com/office/powerpoint/2010/main" val="3962594107"/>
+      </p:ext>
+    </p:extLst>
+  </p:cSld>
+  <p:clrMapOvr>
+    <a:masterClrMapping/>
+  </p:clrMapOvr>
+</p:sld>
+</file>
+
+<file path=ppt/slides/slide4.xml><?xml version="1.0" encoding="utf-8"?>
+<p:sld xmlns:a="http://schemas.openxmlformats.org/drawingml/2006/main" xmlns:r="http://schemas.openxmlformats.org/officeDocument/2006/relationships" xmlns:p="http://schemas.openxmlformats.org/presentationml/2006/main">
+  <p:cSld>
+    <p:spTree>
+      <p:nvGrpSpPr>
+        <p:cNvPr id="1" name=""/>
+        <p:cNvGrpSpPr/>
+        <p:nvPr/>
+      </p:nvGrpSpPr>
+      <p:grpSpPr>
+        <a:xfrm>
+          <a:off x="0" y="0"/>
+          <a:ext cx="0" cy="0"/>
+          <a:chOff x="0" y="0"/>
+          <a:chExt cx="0" cy="0"/>
+        </a:xfrm>
+      </p:grpSpPr>
+      <p:pic>
+        <p:nvPicPr>
+          <p:cNvPr id="3076" name="Picture 4">
+            <a:extLst>
+              <a:ext uri="{FF2B5EF4-FFF2-40B4-BE49-F238E27FC236}">
+                <a16:creationId xmlns:a16="http://schemas.microsoft.com/office/drawing/2014/main" id="{7BA7B491-247F-4610-A957-5D716B894BBE}"/>
+              </a:ext>
+            </a:extLst>
+          </p:cNvPr>
+          <p:cNvPicPr>
+            <a:picLocks noChangeAspect="1" noChangeArrowheads="1"/>
+          </p:cNvPicPr>
+          <p:nvPr/>
+        </p:nvPicPr>
+        <p:blipFill>
+          <a:blip r:embed="rId2">
+            <a:extLst>
+              <a:ext uri="{28A0092B-C50C-407E-A947-70E740481C1C}">
+                <a14:useLocalDpi xmlns:a14="http://schemas.microsoft.com/office/drawing/2010/main" val="0"/>
+              </a:ext>
+            </a:extLst>
+          </a:blip>
+          <a:srcRect/>
+          <a:stretch>
+            <a:fillRect/>
+          </a:stretch>
+        </p:blipFill>
+        <p:spPr bwMode="auto">
+          <a:xfrm>
+            <a:off x="409575" y="14288"/>
+            <a:ext cx="11372850" cy="6829425"/>
+          </a:xfrm>
+          <a:prstGeom prst="rect">
+            <a:avLst/>
+          </a:prstGeom>
+          <a:noFill/>
+          <a:extLst>
+            <a:ext uri="{909E8E84-426E-40DD-AFC4-6F175D3DCCD1}">
+              <a14:hiddenFill xmlns:a14="http://schemas.microsoft.com/office/drawing/2010/main">
+                <a:solidFill>
+                  <a:srgbClr val="FFFFFF"/>
+                </a:solidFill>
+              </a14:hiddenFill>
+            </a:ext>
+          </a:extLst>
+        </p:spPr>
+      </p:pic>
+    </p:spTree>
+    <p:extLst>
+      <p:ext uri="{BB962C8B-B14F-4D97-AF65-F5344CB8AC3E}">
+        <p14:creationId xmlns:p14="http://schemas.microsoft.com/office/powerpoint/2010/main" val="218355763"/>
+      </p:ext>
+    </p:extLst>
+  </p:cSld>
+  <p:clrMapOvr>
+    <a:masterClrMapping/>
+  </p:clrMapOvr>
+</p:sld>
+</file>
+
+<file path=ppt/slides/slide5.xml><?xml version="1.0" encoding="utf-8"?>
 <p:sld xmlns:a="http://schemas.openxmlformats.org/drawingml/2006/main" xmlns:r="http://schemas.openxmlformats.org/officeDocument/2006/relationships" xmlns:p="http://schemas.openxmlformats.org/presentationml/2006/main">
   <p:cSld>
     <p:spTree>
@@ -3467,7 +7408,7 @@
 </p:sld>
 </file>
 
-<file path=ppt/slides/slide3.xml><?xml version="1.0" encoding="utf-8"?>
+<file path=ppt/slides/slide6.xml><?xml version="1.0" encoding="utf-8"?>
 <p:sld xmlns:a="http://schemas.openxmlformats.org/drawingml/2006/main" xmlns:r="http://schemas.openxmlformats.org/officeDocument/2006/relationships" xmlns:p="http://schemas.openxmlformats.org/presentationml/2006/main">
   <p:cSld>
     <p:spTree>
@@ -3486,10 +7427,10 @@
       </p:grpSpPr>
       <p:pic>
         <p:nvPicPr>
-          <p:cNvPr id="2" name="Picture 1">
-            <a:extLst>
-              <a:ext uri="{FF2B5EF4-FFF2-40B4-BE49-F238E27FC236}">
-                <a16:creationId xmlns:a16="http://schemas.microsoft.com/office/drawing/2014/main" id="{9D06E99E-D39D-4744-ABB6-0B77907D67B5}"/>
+          <p:cNvPr id="9" name="Picture 8">
+            <a:extLst>
+              <a:ext uri="{FF2B5EF4-FFF2-40B4-BE49-F238E27FC236}">
+                <a16:creationId xmlns:a16="http://schemas.microsoft.com/office/drawing/2014/main" id="{E01D7B09-03A0-41D2-AC0F-000F18A78B74}"/>
               </a:ext>
             </a:extLst>
           </p:cNvPr>
@@ -3499,14 +7440,20 @@
           <p:nvPr/>
         </p:nvPicPr>
         <p:blipFill rotWithShape="1">
-          <a:blip r:embed="rId2"/>
-          <a:srcRect t="16638" b="9390"/>
+          <a:blip r:embed="rId2">
+            <a:extLst>
+              <a:ext uri="{28A0092B-C50C-407E-A947-70E740481C1C}">
+                <a14:useLocalDpi xmlns:a14="http://schemas.microsoft.com/office/drawing/2010/main" val="0"/>
+              </a:ext>
+            </a:extLst>
+          </a:blip>
+          <a:srcRect t="18275" b="12609"/>
           <a:stretch/>
         </p:blipFill>
         <p:spPr>
           <a:xfrm>
-            <a:off x="104605" y="444675"/>
-            <a:ext cx="11982789" cy="4431970"/>
+            <a:off x="100034" y="671335"/>
+            <a:ext cx="11991931" cy="4144161"/>
           </a:xfrm>
           <a:prstGeom prst="rect">
             <a:avLst/>
@@ -3634,7 +7581,7 @@
             <a:pPr algn="ctr"/>
             <a:r>
               <a:rPr lang="en-US" dirty="0"/>
-              <a:t>Average Days on Zillow for NC Counties (2014-Present)</a:t>
+              <a:t>Average Days on Zillow for NC Counties (2018-Present)</a:t>
             </a:r>
           </a:p>
         </p:txBody>
@@ -3722,7 +7669,7 @@
 </p:sld>
 </file>
 
-<file path=ppt/slides/slide4.xml><?xml version="1.0" encoding="utf-8"?>
+<file path=ppt/slides/slide7.xml><?xml version="1.0" encoding="utf-8"?>
 <p:sld xmlns:a="http://schemas.openxmlformats.org/drawingml/2006/main" xmlns:r="http://schemas.openxmlformats.org/officeDocument/2006/relationships" xmlns:p="http://schemas.openxmlformats.org/presentationml/2006/main">
   <p:cSld>
     <p:spTree>
@@ -3741,10 +7688,10 @@
       </p:grpSpPr>
       <p:pic>
         <p:nvPicPr>
-          <p:cNvPr id="12" name="Picture 11">
-            <a:extLst>
-              <a:ext uri="{FF2B5EF4-FFF2-40B4-BE49-F238E27FC236}">
-                <a16:creationId xmlns:a16="http://schemas.microsoft.com/office/drawing/2014/main" id="{A1BF20A3-5960-43BD-BBC1-0416F8F6D212}"/>
+          <p:cNvPr id="9" name="Picture 8">
+            <a:extLst>
+              <a:ext uri="{FF2B5EF4-FFF2-40B4-BE49-F238E27FC236}">
+                <a16:creationId xmlns:a16="http://schemas.microsoft.com/office/drawing/2014/main" id="{A01198B7-1AAB-4B9F-A7EF-80C94BFAC155}"/>
               </a:ext>
             </a:extLst>
           </p:cNvPr>
@@ -3761,13 +7708,13 @@
               </a:ext>
             </a:extLst>
           </a:blip>
-          <a:srcRect t="15714" b="11796"/>
+          <a:srcRect t="17641" b="12264"/>
           <a:stretch/>
         </p:blipFill>
         <p:spPr>
           <a:xfrm>
-            <a:off x="148353" y="444675"/>
-            <a:ext cx="11764664" cy="4264088"/>
+            <a:off x="100034" y="607188"/>
+            <a:ext cx="11991931" cy="4202884"/>
           </a:xfrm>
           <a:prstGeom prst="rect">
             <a:avLst/>
@@ -3805,7 +7752,7 @@
             <a:pPr algn="ctr"/>
             <a:r>
               <a:rPr lang="en-US" dirty="0"/>
-              <a:t>Average Sales on Zillow for NC Counties (2014-Present)</a:t>
+              <a:t>Average Sales on Zillow for NC Counties (2018-Present)</a:t>
             </a:r>
           </a:p>
         </p:txBody>
@@ -3985,7 +7932,7 @@
 </p:sld>
 </file>
 
-<file path=ppt/slides/slide5.xml><?xml version="1.0" encoding="utf-8"?>
+<file path=ppt/slides/slide8.xml><?xml version="1.0" encoding="utf-8"?>
 <p:sld xmlns:a="http://schemas.openxmlformats.org/drawingml/2006/main" xmlns:r="http://schemas.openxmlformats.org/officeDocument/2006/relationships" xmlns:p="http://schemas.openxmlformats.org/presentationml/2006/main">
   <p:cSld>
     <p:spTree>
@@ -4002,6 +7949,41 @@
           <a:chExt cx="0" cy="0"/>
         </a:xfrm>
       </p:grpSpPr>
+      <p:pic>
+        <p:nvPicPr>
+          <p:cNvPr id="10" name="Picture 9">
+            <a:extLst>
+              <a:ext uri="{FF2B5EF4-FFF2-40B4-BE49-F238E27FC236}">
+                <a16:creationId xmlns:a16="http://schemas.microsoft.com/office/drawing/2014/main" id="{5710BACC-C9E8-4956-81DF-AD0E718626FC}"/>
+              </a:ext>
+            </a:extLst>
+          </p:cNvPr>
+          <p:cNvPicPr>
+            <a:picLocks noChangeAspect="1"/>
+          </p:cNvPicPr>
+          <p:nvPr/>
+        </p:nvPicPr>
+        <p:blipFill rotWithShape="1">
+          <a:blip r:embed="rId2">
+            <a:extLst>
+              <a:ext uri="{28A0092B-C50C-407E-A947-70E740481C1C}">
+                <a14:useLocalDpi xmlns:a14="http://schemas.microsoft.com/office/drawing/2010/main" val="0"/>
+              </a:ext>
+            </a:extLst>
+          </a:blip>
+          <a:srcRect t="17630" b="13307"/>
+          <a:stretch/>
+        </p:blipFill>
+        <p:spPr>
+          <a:xfrm>
+            <a:off x="100034" y="607188"/>
+            <a:ext cx="11991931" cy="4140981"/>
+          </a:xfrm>
+          <a:prstGeom prst="rect">
+            <a:avLst/>
+          </a:prstGeom>
+        </p:spPr>
+      </p:pic>
       <p:sp>
         <p:nvSpPr>
           <p:cNvPr id="4" name="TextBox 3">
@@ -4033,40 +8015,11 @@
             <a:pPr algn="ctr"/>
             <a:r>
               <a:rPr lang="en-US" dirty="0"/>
-              <a:t>Average Price on Zillow for NC Counties (2014-Present)</a:t>
+              <a:t>Average Price on Zillow for NC Counties (2018-Present)</a:t>
             </a:r>
           </a:p>
         </p:txBody>
       </p:sp>
-      <p:pic>
-        <p:nvPicPr>
-          <p:cNvPr id="5" name="Picture 4">
-            <a:extLst>
-              <a:ext uri="{FF2B5EF4-FFF2-40B4-BE49-F238E27FC236}">
-                <a16:creationId xmlns:a16="http://schemas.microsoft.com/office/drawing/2014/main" id="{344F007D-4900-4658-870D-C712BB1FE7A5}"/>
-              </a:ext>
-            </a:extLst>
-          </p:cNvPr>
-          <p:cNvPicPr>
-            <a:picLocks noChangeAspect="1"/>
-          </p:cNvPicPr>
-          <p:nvPr/>
-        </p:nvPicPr>
-        <p:blipFill rotWithShape="1">
-          <a:blip r:embed="rId2"/>
-          <a:srcRect l="1803" t="17015" r="1478" b="13095"/>
-          <a:stretch/>
-        </p:blipFill>
-        <p:spPr>
-          <a:xfrm>
-            <a:off x="284075" y="475861"/>
-            <a:ext cx="11724423" cy="4236098"/>
-          </a:xfrm>
-          <a:prstGeom prst="rect">
-            <a:avLst/>
-          </a:prstGeom>
-        </p:spPr>
-      </p:pic>
       <p:pic>
         <p:nvPicPr>
           <p:cNvPr id="6" name="Picture 5">
@@ -4535,4 +8488,299 @@
     </a:ext>
   </a:extLst>
 </a:theme>
+</file>
+
+<file path=ppt/theme/theme2.xml><?xml version="1.0" encoding="utf-8"?>
+<a:theme xmlns:a="http://schemas.openxmlformats.org/drawingml/2006/main" name="Office Theme">
+  <a:themeElements>
+    <a:clrScheme name="Office">
+      <a:dk1>
+        <a:sysClr val="windowText" lastClr="000000"/>
+      </a:dk1>
+      <a:lt1>
+        <a:sysClr val="window" lastClr="FFFFFF"/>
+      </a:lt1>
+      <a:dk2>
+        <a:srgbClr val="44546A"/>
+      </a:dk2>
+      <a:lt2>
+        <a:srgbClr val="E7E6E6"/>
+      </a:lt2>
+      <a:accent1>
+        <a:srgbClr val="4472C4"/>
+      </a:accent1>
+      <a:accent2>
+        <a:srgbClr val="ED7D31"/>
+      </a:accent2>
+      <a:accent3>
+        <a:srgbClr val="A5A5A5"/>
+      </a:accent3>
+      <a:accent4>
+        <a:srgbClr val="FFC000"/>
+      </a:accent4>
+      <a:accent5>
+        <a:srgbClr val="5B9BD5"/>
+      </a:accent5>
+      <a:accent6>
+        <a:srgbClr val="70AD47"/>
+      </a:accent6>
+      <a:hlink>
+        <a:srgbClr val="0563C1"/>
+      </a:hlink>
+      <a:folHlink>
+        <a:srgbClr val="954F72"/>
+      </a:folHlink>
+    </a:clrScheme>
+    <a:fontScheme name="Office">
+      <a:majorFont>
+        <a:latin typeface="Calibri Light" panose="020F0302020204030204"/>
+        <a:ea typeface=""/>
+        <a:cs typeface=""/>
+        <a:font script="Jpan" typeface="游ゴシック Light"/>
+        <a:font script="Hang" typeface="맑은 고딕"/>
+        <a:font script="Hans" typeface="等线 Light"/>
+        <a:font script="Hant" typeface="新細明體"/>
+        <a:font script="Arab" typeface="Times New Roman"/>
+        <a:font script="Hebr" typeface="Times New Roman"/>
+        <a:font script="Thai" typeface="Angsana New"/>
+        <a:font script="Ethi" typeface="Nyala"/>
+        <a:font script="Beng" typeface="Vrinda"/>
+        <a:font script="Gujr" typeface="Shruti"/>
+        <a:font script="Khmr" typeface="MoolBoran"/>
+        <a:font script="Knda" typeface="Tunga"/>
+        <a:font script="Guru" typeface="Raavi"/>
+        <a:font script="Cans" typeface="Euphemia"/>
+        <a:font script="Cher" typeface="Plantagenet Cherokee"/>
+        <a:font script="Yiii" typeface="Microsoft Yi Baiti"/>
+        <a:font script="Tibt" typeface="Microsoft Himalaya"/>
+        <a:font script="Thaa" typeface="MV Boli"/>
+        <a:font script="Deva" typeface="Mangal"/>
+        <a:font script="Telu" typeface="Gautami"/>
+        <a:font script="Taml" typeface="Latha"/>
+        <a:font script="Syrc" typeface="Estrangelo Edessa"/>
+        <a:font script="Orya" typeface="Kalinga"/>
+        <a:font script="Mlym" typeface="Kartika"/>
+        <a:font script="Laoo" typeface="DokChampa"/>
+        <a:font script="Sinh" typeface="Iskoola Pota"/>
+        <a:font script="Mong" typeface="Mongolian Baiti"/>
+        <a:font script="Viet" typeface="Times New Roman"/>
+        <a:font script="Uigh" typeface="Microsoft Uighur"/>
+        <a:font script="Geor" typeface="Sylfaen"/>
+        <a:font script="Armn" typeface="Arial"/>
+        <a:font script="Bugi" typeface="Leelawadee UI"/>
+        <a:font script="Bopo" typeface="Microsoft JhengHei"/>
+        <a:font script="Java" typeface="Javanese Text"/>
+        <a:font script="Lisu" typeface="Segoe UI"/>
+        <a:font script="Mymr" typeface="Myanmar Text"/>
+        <a:font script="Nkoo" typeface="Ebrima"/>
+        <a:font script="Olck" typeface="Nirmala UI"/>
+        <a:font script="Osma" typeface="Ebrima"/>
+        <a:font script="Phag" typeface="Phagspa"/>
+        <a:font script="Syrn" typeface="Estrangelo Edessa"/>
+        <a:font script="Syrj" typeface="Estrangelo Edessa"/>
+        <a:font script="Syre" typeface="Estrangelo Edessa"/>
+        <a:font script="Sora" typeface="Nirmala UI"/>
+        <a:font script="Tale" typeface="Microsoft Tai Le"/>
+        <a:font script="Talu" typeface="Microsoft New Tai Lue"/>
+        <a:font script="Tfng" typeface="Ebrima"/>
+      </a:majorFont>
+      <a:minorFont>
+        <a:latin typeface="Calibri" panose="020F0502020204030204"/>
+        <a:ea typeface=""/>
+        <a:cs typeface=""/>
+        <a:font script="Jpan" typeface="游ゴシック"/>
+        <a:font script="Hang" typeface="맑은 고딕"/>
+        <a:font script="Hans" typeface="等线"/>
+        <a:font script="Hant" typeface="新細明體"/>
+        <a:font script="Arab" typeface="Arial"/>
+        <a:font script="Hebr" typeface="Arial"/>
+        <a:font script="Thai" typeface="Cordia New"/>
+        <a:font script="Ethi" typeface="Nyala"/>
+        <a:font script="Beng" typeface="Vrinda"/>
+        <a:font script="Gujr" typeface="Shruti"/>
+        <a:font script="Khmr" typeface="DaunPenh"/>
+        <a:font script="Knda" typeface="Tunga"/>
+        <a:font script="Guru" typeface="Raavi"/>
+        <a:font script="Cans" typeface="Euphemia"/>
+        <a:font script="Cher" typeface="Plantagenet Cherokee"/>
+        <a:font script="Yiii" typeface="Microsoft Yi Baiti"/>
+        <a:font script="Tibt" typeface="Microsoft Himalaya"/>
+        <a:font script="Thaa" typeface="MV Boli"/>
+        <a:font script="Deva" typeface="Mangal"/>
+        <a:font script="Telu" typeface="Gautami"/>
+        <a:font script="Taml" typeface="Latha"/>
+        <a:font script="Syrc" typeface="Estrangelo Edessa"/>
+        <a:font script="Orya" typeface="Kalinga"/>
+        <a:font script="Mlym" typeface="Kartika"/>
+        <a:font script="Laoo" typeface="DokChampa"/>
+        <a:font script="Sinh" typeface="Iskoola Pota"/>
+        <a:font script="Mong" typeface="Mongolian Baiti"/>
+        <a:font script="Viet" typeface="Arial"/>
+        <a:font script="Uigh" typeface="Microsoft Uighur"/>
+        <a:font script="Geor" typeface="Sylfaen"/>
+        <a:font script="Armn" typeface="Arial"/>
+        <a:font script="Bugi" typeface="Leelawadee UI"/>
+        <a:font script="Bopo" typeface="Microsoft JhengHei"/>
+        <a:font script="Java" typeface="Javanese Text"/>
+        <a:font script="Lisu" typeface="Segoe UI"/>
+        <a:font script="Mymr" typeface="Myanmar Text"/>
+        <a:font script="Nkoo" typeface="Ebrima"/>
+        <a:font script="Olck" typeface="Nirmala UI"/>
+        <a:font script="Osma" typeface="Ebrima"/>
+        <a:font script="Phag" typeface="Phagspa"/>
+        <a:font script="Syrn" typeface="Estrangelo Edessa"/>
+        <a:font script="Syrj" typeface="Estrangelo Edessa"/>
+        <a:font script="Syre" typeface="Estrangelo Edessa"/>
+        <a:font script="Sora" typeface="Nirmala UI"/>
+        <a:font script="Tale" typeface="Microsoft Tai Le"/>
+        <a:font script="Talu" typeface="Microsoft New Tai Lue"/>
+        <a:font script="Tfng" typeface="Ebrima"/>
+      </a:minorFont>
+    </a:fontScheme>
+    <a:fmtScheme name="Office">
+      <a:fillStyleLst>
+        <a:solidFill>
+          <a:schemeClr val="phClr"/>
+        </a:solidFill>
+        <a:gradFill rotWithShape="1">
+          <a:gsLst>
+            <a:gs pos="0">
+              <a:schemeClr val="phClr">
+                <a:lumMod val="110000"/>
+                <a:satMod val="105000"/>
+                <a:tint val="67000"/>
+              </a:schemeClr>
+            </a:gs>
+            <a:gs pos="50000">
+              <a:schemeClr val="phClr">
+                <a:lumMod val="105000"/>
+                <a:satMod val="103000"/>
+                <a:tint val="73000"/>
+              </a:schemeClr>
+            </a:gs>
+            <a:gs pos="100000">
+              <a:schemeClr val="phClr">
+                <a:lumMod val="105000"/>
+                <a:satMod val="109000"/>
+                <a:tint val="81000"/>
+              </a:schemeClr>
+            </a:gs>
+          </a:gsLst>
+          <a:lin ang="5400000" scaled="0"/>
+        </a:gradFill>
+        <a:gradFill rotWithShape="1">
+          <a:gsLst>
+            <a:gs pos="0">
+              <a:schemeClr val="phClr">
+                <a:satMod val="103000"/>
+                <a:lumMod val="102000"/>
+                <a:tint val="94000"/>
+              </a:schemeClr>
+            </a:gs>
+            <a:gs pos="50000">
+              <a:schemeClr val="phClr">
+                <a:satMod val="110000"/>
+                <a:lumMod val="100000"/>
+                <a:shade val="100000"/>
+              </a:schemeClr>
+            </a:gs>
+            <a:gs pos="100000">
+              <a:schemeClr val="phClr">
+                <a:lumMod val="99000"/>
+                <a:satMod val="120000"/>
+                <a:shade val="78000"/>
+              </a:schemeClr>
+            </a:gs>
+          </a:gsLst>
+          <a:lin ang="5400000" scaled="0"/>
+        </a:gradFill>
+      </a:fillStyleLst>
+      <a:lnStyleLst>
+        <a:ln w="6350" cap="flat" cmpd="sng" algn="ctr">
+          <a:solidFill>
+            <a:schemeClr val="phClr"/>
+          </a:solidFill>
+          <a:prstDash val="solid"/>
+          <a:miter lim="800000"/>
+        </a:ln>
+        <a:ln w="12700" cap="flat" cmpd="sng" algn="ctr">
+          <a:solidFill>
+            <a:schemeClr val="phClr"/>
+          </a:solidFill>
+          <a:prstDash val="solid"/>
+          <a:miter lim="800000"/>
+        </a:ln>
+        <a:ln w="19050" cap="flat" cmpd="sng" algn="ctr">
+          <a:solidFill>
+            <a:schemeClr val="phClr"/>
+          </a:solidFill>
+          <a:prstDash val="solid"/>
+          <a:miter lim="800000"/>
+        </a:ln>
+      </a:lnStyleLst>
+      <a:effectStyleLst>
+        <a:effectStyle>
+          <a:effectLst/>
+        </a:effectStyle>
+        <a:effectStyle>
+          <a:effectLst/>
+        </a:effectStyle>
+        <a:effectStyle>
+          <a:effectLst>
+            <a:outerShdw blurRad="57150" dist="19050" dir="5400000" algn="ctr" rotWithShape="0">
+              <a:srgbClr val="000000">
+                <a:alpha val="63000"/>
+              </a:srgbClr>
+            </a:outerShdw>
+          </a:effectLst>
+        </a:effectStyle>
+      </a:effectStyleLst>
+      <a:bgFillStyleLst>
+        <a:solidFill>
+          <a:schemeClr val="phClr"/>
+        </a:solidFill>
+        <a:solidFill>
+          <a:schemeClr val="phClr">
+            <a:tint val="95000"/>
+            <a:satMod val="170000"/>
+          </a:schemeClr>
+        </a:solidFill>
+        <a:gradFill rotWithShape="1">
+          <a:gsLst>
+            <a:gs pos="0">
+              <a:schemeClr val="phClr">
+                <a:tint val="93000"/>
+                <a:satMod val="150000"/>
+                <a:shade val="98000"/>
+                <a:lumMod val="102000"/>
+              </a:schemeClr>
+            </a:gs>
+            <a:gs pos="50000">
+              <a:schemeClr val="phClr">
+                <a:tint val="98000"/>
+                <a:satMod val="130000"/>
+                <a:shade val="90000"/>
+                <a:lumMod val="103000"/>
+              </a:schemeClr>
+            </a:gs>
+            <a:gs pos="100000">
+              <a:schemeClr val="phClr">
+                <a:shade val="63000"/>
+                <a:satMod val="120000"/>
+              </a:schemeClr>
+            </a:gs>
+          </a:gsLst>
+          <a:lin ang="5400000" scaled="0"/>
+        </a:gradFill>
+      </a:bgFillStyleLst>
+    </a:fmtScheme>
+  </a:themeElements>
+  <a:objectDefaults/>
+  <a:extraClrSchemeLst/>
+  <a:extLst>
+    <a:ext uri="{05A4C25C-085E-4340-85A3-A5531E510DB2}">
+      <thm15:themeFamily xmlns:thm15="http://schemas.microsoft.com/office/thememl/2012/main" name="Office Theme" id="{62F939B6-93AF-4DB8-9C6B-D6C7DFDC589F}" vid="{4A3C46E8-61CC-4603-A589-7422A47A8E4A}"/>
+    </a:ext>
+  </a:extLst>
+</a:theme>
 </file>